--- a/Презентация для защиты курсовой.pptx
+++ b/Презентация для защиты курсовой.pptx
@@ -4,20 +4,21 @@
   <p:sldMasterIdLst>
     <p:sldMasterId id="2147483648" r:id="rId1"/>
   </p:sldMasterIdLst>
+  <p:notesMasterIdLst>
+    <p:notesMasterId r:id="rId13"/>
+  </p:notesMasterIdLst>
   <p:sldIdLst>
-    <p:sldId id="256" r:id="rId2"/>
+    <p:sldId id="275" r:id="rId2"/>
     <p:sldId id="263" r:id="rId3"/>
     <p:sldId id="264" r:id="rId4"/>
     <p:sldId id="265" r:id="rId5"/>
     <p:sldId id="266" r:id="rId6"/>
     <p:sldId id="267" r:id="rId7"/>
-    <p:sldId id="268" r:id="rId8"/>
-    <p:sldId id="269" r:id="rId9"/>
-    <p:sldId id="270" r:id="rId10"/>
-    <p:sldId id="271" r:id="rId11"/>
-    <p:sldId id="272" r:id="rId12"/>
-    <p:sldId id="273" r:id="rId13"/>
-    <p:sldId id="274" r:id="rId14"/>
+    <p:sldId id="276" r:id="rId8"/>
+    <p:sldId id="268" r:id="rId9"/>
+    <p:sldId id="272" r:id="rId10"/>
+    <p:sldId id="273" r:id="rId11"/>
+    <p:sldId id="274" r:id="rId12"/>
   </p:sldIdLst>
   <p:sldSz cx="12192000" cy="6858000"/>
   <p:notesSz cx="6858000" cy="9144000"/>
@@ -124,6 +125,440 @@
 </p:presentation>
 </file>
 
+<file path=ppt/notesMasters/notesMaster1.xml><?xml version="1.0" encoding="utf-8"?>
+<p:notesMaster xmlns:a="http://schemas.openxmlformats.org/drawingml/2006/main" xmlns:r="http://schemas.openxmlformats.org/officeDocument/2006/relationships" xmlns:p="http://schemas.openxmlformats.org/presentationml/2006/main">
+  <p:cSld>
+    <p:bg>
+      <p:bgRef idx="1001">
+        <a:schemeClr val="bg1"/>
+      </p:bgRef>
+    </p:bg>
+    <p:spTree>
+      <p:nvGrpSpPr>
+        <p:cNvPr id="1" name=""/>
+        <p:cNvGrpSpPr/>
+        <p:nvPr/>
+      </p:nvGrpSpPr>
+      <p:grpSpPr>
+        <a:xfrm>
+          <a:off x="0" y="0"/>
+          <a:ext cx="0" cy="0"/>
+          <a:chOff x="0" y="0"/>
+          <a:chExt cx="0" cy="0"/>
+        </a:xfrm>
+      </p:grpSpPr>
+      <p:sp>
+        <p:nvSpPr>
+          <p:cNvPr id="2" name="Верхний колонтитул 1"/>
+          <p:cNvSpPr>
+            <a:spLocks noGrp="1"/>
+          </p:cNvSpPr>
+          <p:nvPr>
+            <p:ph type="hdr" sz="quarter"/>
+          </p:nvPr>
+        </p:nvSpPr>
+        <p:spPr>
+          <a:xfrm>
+            <a:off x="0" y="0"/>
+            <a:ext cx="2971800" cy="458788"/>
+          </a:xfrm>
+          <a:prstGeom prst="rect">
+            <a:avLst/>
+          </a:prstGeom>
+        </p:spPr>
+        <p:txBody>
+          <a:bodyPr vert="horz" lIns="91440" tIns="45720" rIns="91440" bIns="45720" rtlCol="0"/>
+          <a:lstStyle>
+            <a:lvl1pPr algn="l">
+              <a:defRPr sz="1200"/>
+            </a:lvl1pPr>
+          </a:lstStyle>
+          <a:p>
+            <a:endParaRPr lang="ru-RU"/>
+          </a:p>
+        </p:txBody>
+      </p:sp>
+      <p:sp>
+        <p:nvSpPr>
+          <p:cNvPr id="3" name="Дата 2"/>
+          <p:cNvSpPr>
+            <a:spLocks noGrp="1"/>
+          </p:cNvSpPr>
+          <p:nvPr>
+            <p:ph type="dt" idx="1"/>
+          </p:nvPr>
+        </p:nvSpPr>
+        <p:spPr>
+          <a:xfrm>
+            <a:off x="3884613" y="0"/>
+            <a:ext cx="2971800" cy="458788"/>
+          </a:xfrm>
+          <a:prstGeom prst="rect">
+            <a:avLst/>
+          </a:prstGeom>
+        </p:spPr>
+        <p:txBody>
+          <a:bodyPr vert="horz" lIns="91440" tIns="45720" rIns="91440" bIns="45720" rtlCol="0"/>
+          <a:lstStyle>
+            <a:lvl1pPr algn="r">
+              <a:defRPr sz="1200"/>
+            </a:lvl1pPr>
+          </a:lstStyle>
+          <a:p>
+            <a:fld id="{E520DC2F-5444-437E-B198-AF486F3D1F70}" type="datetimeFigureOut">
+              <a:rPr lang="ru-RU" smtClean="0"/>
+              <a:t>26.05.2021</a:t>
+            </a:fld>
+            <a:endParaRPr lang="ru-RU"/>
+          </a:p>
+        </p:txBody>
+      </p:sp>
+      <p:sp>
+        <p:nvSpPr>
+          <p:cNvPr id="4" name="Образ слайда 3"/>
+          <p:cNvSpPr>
+            <a:spLocks noGrp="1" noRot="1" noChangeAspect="1"/>
+          </p:cNvSpPr>
+          <p:nvPr>
+            <p:ph type="sldImg" idx="2"/>
+          </p:nvPr>
+        </p:nvSpPr>
+        <p:spPr>
+          <a:xfrm>
+            <a:off x="685800" y="1143000"/>
+            <a:ext cx="5486400" cy="3086100"/>
+          </a:xfrm>
+          <a:prstGeom prst="rect">
+            <a:avLst/>
+          </a:prstGeom>
+          <a:noFill/>
+          <a:ln w="12700">
+            <a:solidFill>
+              <a:prstClr val="black"/>
+            </a:solidFill>
+          </a:ln>
+        </p:spPr>
+        <p:txBody>
+          <a:bodyPr vert="horz" lIns="91440" tIns="45720" rIns="91440" bIns="45720" rtlCol="0" anchor="ctr"/>
+          <a:lstStyle/>
+          <a:p>
+            <a:endParaRPr lang="ru-RU"/>
+          </a:p>
+        </p:txBody>
+      </p:sp>
+      <p:sp>
+        <p:nvSpPr>
+          <p:cNvPr id="5" name="Заметки 4"/>
+          <p:cNvSpPr>
+            <a:spLocks noGrp="1"/>
+          </p:cNvSpPr>
+          <p:nvPr>
+            <p:ph type="body" sz="quarter" idx="3"/>
+          </p:nvPr>
+        </p:nvSpPr>
+        <p:spPr>
+          <a:xfrm>
+            <a:off x="685800" y="4400550"/>
+            <a:ext cx="5486400" cy="3600450"/>
+          </a:xfrm>
+          <a:prstGeom prst="rect">
+            <a:avLst/>
+          </a:prstGeom>
+        </p:spPr>
+        <p:txBody>
+          <a:bodyPr vert="horz" lIns="91440" tIns="45720" rIns="91440" bIns="45720" rtlCol="0"/>
+          <a:lstStyle/>
+          <a:p>
+            <a:pPr lvl="0"/>
+            <a:r>
+              <a:rPr lang="ru-RU" smtClean="0"/>
+              <a:t>Образец текста</a:t>
+            </a:r>
+          </a:p>
+          <a:p>
+            <a:pPr lvl="1"/>
+            <a:r>
+              <a:rPr lang="ru-RU" smtClean="0"/>
+              <a:t>Второй уровень</a:t>
+            </a:r>
+          </a:p>
+          <a:p>
+            <a:pPr lvl="2"/>
+            <a:r>
+              <a:rPr lang="ru-RU" smtClean="0"/>
+              <a:t>Третий уровень</a:t>
+            </a:r>
+          </a:p>
+          <a:p>
+            <a:pPr lvl="3"/>
+            <a:r>
+              <a:rPr lang="ru-RU" smtClean="0"/>
+              <a:t>Четвертый уровень</a:t>
+            </a:r>
+          </a:p>
+          <a:p>
+            <a:pPr lvl="4"/>
+            <a:r>
+              <a:rPr lang="ru-RU" smtClean="0"/>
+              <a:t>Пятый уровень</a:t>
+            </a:r>
+            <a:endParaRPr lang="ru-RU"/>
+          </a:p>
+        </p:txBody>
+      </p:sp>
+      <p:sp>
+        <p:nvSpPr>
+          <p:cNvPr id="6" name="Нижний колонтитул 5"/>
+          <p:cNvSpPr>
+            <a:spLocks noGrp="1"/>
+          </p:cNvSpPr>
+          <p:nvPr>
+            <p:ph type="ftr" sz="quarter" idx="4"/>
+          </p:nvPr>
+        </p:nvSpPr>
+        <p:spPr>
+          <a:xfrm>
+            <a:off x="0" y="8685213"/>
+            <a:ext cx="2971800" cy="458787"/>
+          </a:xfrm>
+          <a:prstGeom prst="rect">
+            <a:avLst/>
+          </a:prstGeom>
+        </p:spPr>
+        <p:txBody>
+          <a:bodyPr vert="horz" lIns="91440" tIns="45720" rIns="91440" bIns="45720" rtlCol="0" anchor="b"/>
+          <a:lstStyle>
+            <a:lvl1pPr algn="l">
+              <a:defRPr sz="1200"/>
+            </a:lvl1pPr>
+          </a:lstStyle>
+          <a:p>
+            <a:endParaRPr lang="ru-RU"/>
+          </a:p>
+        </p:txBody>
+      </p:sp>
+      <p:sp>
+        <p:nvSpPr>
+          <p:cNvPr id="7" name="Номер слайда 6"/>
+          <p:cNvSpPr>
+            <a:spLocks noGrp="1"/>
+          </p:cNvSpPr>
+          <p:nvPr>
+            <p:ph type="sldNum" sz="quarter" idx="5"/>
+          </p:nvPr>
+        </p:nvSpPr>
+        <p:spPr>
+          <a:xfrm>
+            <a:off x="3884613" y="8685213"/>
+            <a:ext cx="2971800" cy="458787"/>
+          </a:xfrm>
+          <a:prstGeom prst="rect">
+            <a:avLst/>
+          </a:prstGeom>
+        </p:spPr>
+        <p:txBody>
+          <a:bodyPr vert="horz" lIns="91440" tIns="45720" rIns="91440" bIns="45720" rtlCol="0" anchor="b"/>
+          <a:lstStyle>
+            <a:lvl1pPr algn="r">
+              <a:defRPr sz="1200"/>
+            </a:lvl1pPr>
+          </a:lstStyle>
+          <a:p>
+            <a:fld id="{96C24A44-9DD0-4A5D-BE70-20CDDF2DAB49}" type="slidenum">
+              <a:rPr lang="ru-RU" smtClean="0"/>
+              <a:t>‹#›</a:t>
+            </a:fld>
+            <a:endParaRPr lang="ru-RU"/>
+          </a:p>
+        </p:txBody>
+      </p:sp>
+    </p:spTree>
+    <p:extLst>
+      <p:ext uri="{BB962C8B-B14F-4D97-AF65-F5344CB8AC3E}">
+        <p14:creationId xmlns:p14="http://schemas.microsoft.com/office/powerpoint/2010/main" val="4202119648"/>
+      </p:ext>
+    </p:extLst>
+  </p:cSld>
+  <p:clrMap bg1="lt1" tx1="dk1" bg2="lt2" tx2="dk2" accent1="accent1" accent2="accent2" accent3="accent3" accent4="accent4" accent5="accent5" accent6="accent6" hlink="hlink" folHlink="folHlink"/>
+  <p:notesStyle>
+    <a:lvl1pPr marL="0" algn="l" defTabSz="914400" rtl="0" eaLnBrk="1" latinLnBrk="0" hangingPunct="1">
+      <a:defRPr sz="1200" kern="1200">
+        <a:solidFill>
+          <a:schemeClr val="tx1"/>
+        </a:solidFill>
+        <a:latin typeface="+mn-lt"/>
+        <a:ea typeface="+mn-ea"/>
+        <a:cs typeface="+mn-cs"/>
+      </a:defRPr>
+    </a:lvl1pPr>
+    <a:lvl2pPr marL="457200" algn="l" defTabSz="914400" rtl="0" eaLnBrk="1" latinLnBrk="0" hangingPunct="1">
+      <a:defRPr sz="1200" kern="1200">
+        <a:solidFill>
+          <a:schemeClr val="tx1"/>
+        </a:solidFill>
+        <a:latin typeface="+mn-lt"/>
+        <a:ea typeface="+mn-ea"/>
+        <a:cs typeface="+mn-cs"/>
+      </a:defRPr>
+    </a:lvl2pPr>
+    <a:lvl3pPr marL="914400" algn="l" defTabSz="914400" rtl="0" eaLnBrk="1" latinLnBrk="0" hangingPunct="1">
+      <a:defRPr sz="1200" kern="1200">
+        <a:solidFill>
+          <a:schemeClr val="tx1"/>
+        </a:solidFill>
+        <a:latin typeface="+mn-lt"/>
+        <a:ea typeface="+mn-ea"/>
+        <a:cs typeface="+mn-cs"/>
+      </a:defRPr>
+    </a:lvl3pPr>
+    <a:lvl4pPr marL="1371600" algn="l" defTabSz="914400" rtl="0" eaLnBrk="1" latinLnBrk="0" hangingPunct="1">
+      <a:defRPr sz="1200" kern="1200">
+        <a:solidFill>
+          <a:schemeClr val="tx1"/>
+        </a:solidFill>
+        <a:latin typeface="+mn-lt"/>
+        <a:ea typeface="+mn-ea"/>
+        <a:cs typeface="+mn-cs"/>
+      </a:defRPr>
+    </a:lvl4pPr>
+    <a:lvl5pPr marL="1828800" algn="l" defTabSz="914400" rtl="0" eaLnBrk="1" latinLnBrk="0" hangingPunct="1">
+      <a:defRPr sz="1200" kern="1200">
+        <a:solidFill>
+          <a:schemeClr val="tx1"/>
+        </a:solidFill>
+        <a:latin typeface="+mn-lt"/>
+        <a:ea typeface="+mn-ea"/>
+        <a:cs typeface="+mn-cs"/>
+      </a:defRPr>
+    </a:lvl5pPr>
+    <a:lvl6pPr marL="2286000" algn="l" defTabSz="914400" rtl="0" eaLnBrk="1" latinLnBrk="0" hangingPunct="1">
+      <a:defRPr sz="1200" kern="1200">
+        <a:solidFill>
+          <a:schemeClr val="tx1"/>
+        </a:solidFill>
+        <a:latin typeface="+mn-lt"/>
+        <a:ea typeface="+mn-ea"/>
+        <a:cs typeface="+mn-cs"/>
+      </a:defRPr>
+    </a:lvl6pPr>
+    <a:lvl7pPr marL="2743200" algn="l" defTabSz="914400" rtl="0" eaLnBrk="1" latinLnBrk="0" hangingPunct="1">
+      <a:defRPr sz="1200" kern="1200">
+        <a:solidFill>
+          <a:schemeClr val="tx1"/>
+        </a:solidFill>
+        <a:latin typeface="+mn-lt"/>
+        <a:ea typeface="+mn-ea"/>
+        <a:cs typeface="+mn-cs"/>
+      </a:defRPr>
+    </a:lvl7pPr>
+    <a:lvl8pPr marL="3200400" algn="l" defTabSz="914400" rtl="0" eaLnBrk="1" latinLnBrk="0" hangingPunct="1">
+      <a:defRPr sz="1200" kern="1200">
+        <a:solidFill>
+          <a:schemeClr val="tx1"/>
+        </a:solidFill>
+        <a:latin typeface="+mn-lt"/>
+        <a:ea typeface="+mn-ea"/>
+        <a:cs typeface="+mn-cs"/>
+      </a:defRPr>
+    </a:lvl8pPr>
+    <a:lvl9pPr marL="3657600" algn="l" defTabSz="914400" rtl="0" eaLnBrk="1" latinLnBrk="0" hangingPunct="1">
+      <a:defRPr sz="1200" kern="1200">
+        <a:solidFill>
+          <a:schemeClr val="tx1"/>
+        </a:solidFill>
+        <a:latin typeface="+mn-lt"/>
+        <a:ea typeface="+mn-ea"/>
+        <a:cs typeface="+mn-cs"/>
+      </a:defRPr>
+    </a:lvl9pPr>
+  </p:notesStyle>
+</p:notesMaster>
+</file>
+
+<file path=ppt/notesSlides/notesSlide1.xml><?xml version="1.0" encoding="utf-8"?>
+<p:notes xmlns:a="http://schemas.openxmlformats.org/drawingml/2006/main" xmlns:r="http://schemas.openxmlformats.org/officeDocument/2006/relationships" xmlns:p="http://schemas.openxmlformats.org/presentationml/2006/main">
+  <p:cSld>
+    <p:spTree>
+      <p:nvGrpSpPr>
+        <p:cNvPr id="1" name=""/>
+        <p:cNvGrpSpPr/>
+        <p:nvPr/>
+      </p:nvGrpSpPr>
+      <p:grpSpPr>
+        <a:xfrm>
+          <a:off x="0" y="0"/>
+          <a:ext cx="0" cy="0"/>
+          <a:chOff x="0" y="0"/>
+          <a:chExt cx="0" cy="0"/>
+        </a:xfrm>
+      </p:grpSpPr>
+      <p:sp>
+        <p:nvSpPr>
+          <p:cNvPr id="2" name="Образ слайда 1"/>
+          <p:cNvSpPr>
+            <a:spLocks noGrp="1" noRot="1" noChangeAspect="1"/>
+          </p:cNvSpPr>
+          <p:nvPr>
+            <p:ph type="sldImg"/>
+          </p:nvPr>
+        </p:nvSpPr>
+        <p:spPr/>
+      </p:sp>
+      <p:sp>
+        <p:nvSpPr>
+          <p:cNvPr id="3" name="Заметки 2"/>
+          <p:cNvSpPr>
+            <a:spLocks noGrp="1"/>
+          </p:cNvSpPr>
+          <p:nvPr>
+            <p:ph type="body" idx="1"/>
+          </p:nvPr>
+        </p:nvSpPr>
+        <p:spPr/>
+        <p:txBody>
+          <a:bodyPr/>
+          <a:lstStyle/>
+          <a:p>
+            <a:endParaRPr lang="ru-RU"/>
+          </a:p>
+        </p:txBody>
+      </p:sp>
+      <p:sp>
+        <p:nvSpPr>
+          <p:cNvPr id="4" name="Номер слайда 3"/>
+          <p:cNvSpPr>
+            <a:spLocks noGrp="1"/>
+          </p:cNvSpPr>
+          <p:nvPr>
+            <p:ph type="sldNum" sz="quarter" idx="10"/>
+          </p:nvPr>
+        </p:nvSpPr>
+        <p:spPr/>
+        <p:txBody>
+          <a:bodyPr/>
+          <a:lstStyle/>
+          <a:p>
+            <a:fld id="{96C24A44-9DD0-4A5D-BE70-20CDDF2DAB49}" type="slidenum">
+              <a:rPr lang="ru-RU" smtClean="0"/>
+              <a:t>1</a:t>
+            </a:fld>
+            <a:endParaRPr lang="ru-RU"/>
+          </a:p>
+        </p:txBody>
+      </p:sp>
+    </p:spTree>
+    <p:extLst>
+      <p:ext uri="{BB962C8B-B14F-4D97-AF65-F5344CB8AC3E}">
+        <p14:creationId xmlns:p14="http://schemas.microsoft.com/office/powerpoint/2010/main" val="1069418563"/>
+      </p:ext>
+    </p:extLst>
+  </p:cSld>
+  <p:clrMapOvr>
+    <a:masterClrMapping/>
+  </p:clrMapOvr>
+</p:notes>
+</file>
+
 <file path=ppt/slideLayouts/slideLayout1.xml><?xml version="1.0" encoding="utf-8"?>
 <p:sldLayout xmlns:a="http://schemas.openxmlformats.org/drawingml/2006/main" xmlns:r="http://schemas.openxmlformats.org/officeDocument/2006/relationships" xmlns:p="http://schemas.openxmlformats.org/presentationml/2006/main" showMasterSp="0" type="title" preserve="1">
   <p:cSld name="Титульный слайд">
@@ -291,10 +726,9 @@
             </a:lvl1pPr>
           </a:lstStyle>
           <a:p>
-            <a:fld id="{87DE6118-2437-4B30-8E3C-4D2BE6020583}" type="datetimeFigureOut">
-              <a:rPr lang="en-US" dirty="0"/>
-              <a:pPr/>
-              <a:t>5/25/2021</a:t>
+            <a:fld id="{86E5B0D7-3154-424F-9AFF-D6548EA40344}" type="datetime1">
+              <a:rPr lang="en-US" smtClean="0"/>
+              <a:t>5/26/2021</a:t>
             </a:fld>
             <a:endParaRPr lang="en-US" dirty="0"/>
           </a:p>
@@ -618,9 +1052,9 @@
           <a:bodyPr/>
           <a:lstStyle/>
           <a:p>
-            <a:fld id="{87DE6118-2437-4B30-8E3C-4D2BE6020583}" type="datetimeFigureOut">
-              <a:rPr lang="en-US" dirty="0"/>
-              <a:t>5/25/2021</a:t>
+            <a:fld id="{2E7A90CE-012B-462C-8CA9-04BEE85B308F}" type="datetime1">
+              <a:rPr lang="en-US" smtClean="0"/>
+              <a:t>5/26/2021</a:t>
             </a:fld>
             <a:endParaRPr lang="en-US" dirty="0"/>
           </a:p>
@@ -793,9 +1227,9 @@
           <a:bodyPr/>
           <a:lstStyle/>
           <a:p>
-            <a:fld id="{87DE6118-2437-4B30-8E3C-4D2BE6020583}" type="datetimeFigureOut">
-              <a:rPr lang="en-US" dirty="0"/>
-              <a:t>5/25/2021</a:t>
+            <a:fld id="{4CF6B5C2-CBB1-4F22-81C7-B73E9FF53C1E}" type="datetime1">
+              <a:rPr lang="en-US" smtClean="0"/>
+              <a:t>5/26/2021</a:t>
             </a:fld>
             <a:endParaRPr lang="en-US" dirty="0"/>
           </a:p>
@@ -958,9 +1392,9 @@
           <a:bodyPr/>
           <a:lstStyle/>
           <a:p>
-            <a:fld id="{87DE6118-2437-4B30-8E3C-4D2BE6020583}" type="datetimeFigureOut">
-              <a:rPr lang="en-US" dirty="0"/>
-              <a:t>5/25/2021</a:t>
+            <a:fld id="{815EEF0A-3BEF-4EAD-9C3B-988EE8DEB9BD}" type="datetime1">
+              <a:rPr lang="en-US" smtClean="0"/>
+              <a:t>5/26/2021</a:t>
             </a:fld>
             <a:endParaRPr lang="en-US" dirty="0"/>
           </a:p>
@@ -1230,10 +1664,9 @@
             </a:lvl1pPr>
           </a:lstStyle>
           <a:p>
-            <a:fld id="{87DE6118-2437-4B30-8E3C-4D2BE6020583}" type="datetimeFigureOut">
-              <a:rPr lang="en-US" dirty="0"/>
-              <a:pPr/>
-              <a:t>5/25/2021</a:t>
+            <a:fld id="{D6CFA419-9BD1-4FD0-A4FA-F6B453558A45}" type="datetime1">
+              <a:rPr lang="en-US" smtClean="0"/>
+              <a:t>5/26/2021</a:t>
             </a:fld>
             <a:endParaRPr lang="en-US" dirty="0"/>
           </a:p>
@@ -1621,9 +2054,9 @@
           <a:bodyPr/>
           <a:lstStyle/>
           <a:p>
-            <a:fld id="{87DE6118-2437-4B30-8E3C-4D2BE6020583}" type="datetimeFigureOut">
-              <a:rPr lang="en-US" dirty="0"/>
-              <a:t>5/25/2021</a:t>
+            <a:fld id="{F5E18816-D81C-48FD-A7A0-1FFCED991711}" type="datetime1">
+              <a:rPr lang="en-US" smtClean="0"/>
+              <a:t>5/26/2021</a:t>
             </a:fld>
             <a:endParaRPr lang="en-US" dirty="0"/>
           </a:p>
@@ -2093,9 +2526,9 @@
           <a:bodyPr/>
           <a:lstStyle/>
           <a:p>
-            <a:fld id="{87DE6118-2437-4B30-8E3C-4D2BE6020583}" type="datetimeFigureOut">
-              <a:rPr lang="en-US" dirty="0"/>
-              <a:t>5/25/2021</a:t>
+            <a:fld id="{E8644568-4178-4BE1-B31D-5AE811005197}" type="datetime1">
+              <a:rPr lang="en-US" smtClean="0"/>
+              <a:t>5/26/2021</a:t>
             </a:fld>
             <a:endParaRPr lang="en-US" dirty="0"/>
           </a:p>
@@ -2206,9 +2639,9 @@
           <a:bodyPr/>
           <a:lstStyle/>
           <a:p>
-            <a:fld id="{87DE6118-2437-4B30-8E3C-4D2BE6020583}" type="datetimeFigureOut">
-              <a:rPr lang="en-US" dirty="0"/>
-              <a:t>5/25/2021</a:t>
+            <a:fld id="{AB9095BA-5222-484F-B051-9F1013048393}" type="datetime1">
+              <a:rPr lang="en-US" smtClean="0"/>
+              <a:t>5/26/2021</a:t>
             </a:fld>
             <a:endParaRPr lang="en-US" dirty="0"/>
           </a:p>
@@ -2296,9 +2729,9 @@
           <a:bodyPr/>
           <a:lstStyle/>
           <a:p>
-            <a:fld id="{87DE6118-2437-4B30-8E3C-4D2BE6020583}" type="datetimeFigureOut">
-              <a:rPr lang="en-US" dirty="0"/>
-              <a:t>5/25/2021</a:t>
+            <a:fld id="{45C5B97C-553A-4DCA-9675-240CABBC35A3}" type="datetime1">
+              <a:rPr lang="en-US" smtClean="0"/>
+              <a:t>5/26/2021</a:t>
             </a:fld>
             <a:endParaRPr lang="en-US" dirty="0"/>
           </a:p>
@@ -2637,10 +3070,9 @@
             </a:lvl1pPr>
           </a:lstStyle>
           <a:p>
-            <a:fld id="{87DE6118-2437-4B30-8E3C-4D2BE6020583}" type="datetimeFigureOut">
-              <a:rPr lang="en-US" dirty="0"/>
-              <a:pPr/>
-              <a:t>5/25/2021</a:t>
+            <a:fld id="{89D88BAA-FF07-449B-AB4A-EBEB00BA6E3E}" type="datetime1">
+              <a:rPr lang="en-US" smtClean="0"/>
+              <a:t>5/26/2021</a:t>
             </a:fld>
             <a:endParaRPr lang="en-US" dirty="0"/>
           </a:p>
@@ -3022,10 +3454,9 @@
             </a:lvl1pPr>
           </a:lstStyle>
           <a:p>
-            <a:fld id="{87DE6118-2437-4B30-8E3C-4D2BE6020583}" type="datetimeFigureOut">
-              <a:rPr lang="en-US" dirty="0"/>
-              <a:pPr/>
-              <a:t>5/25/2021</a:t>
+            <a:fld id="{EB1559C1-65FC-4395-B7D1-A8350BAEDDC4}" type="datetime1">
+              <a:rPr lang="en-US" smtClean="0"/>
+              <a:t>5/26/2021</a:t>
             </a:fld>
             <a:endParaRPr lang="en-US" dirty="0"/>
           </a:p>
@@ -3297,10 +3728,9 @@
             </a:lvl1pPr>
           </a:lstStyle>
           <a:p>
-            <a:fld id="{87DE6118-2437-4B30-8E3C-4D2BE6020583}" type="datetimeFigureOut">
-              <a:rPr lang="en-US" dirty="0"/>
-              <a:pPr/>
-              <a:t>5/25/2021</a:t>
+            <a:fld id="{152A34E8-C410-47A8-BE0A-7A2AB5BB9330}" type="datetime1">
+              <a:rPr lang="en-US" smtClean="0"/>
+              <a:t>5/26/2021</a:t>
             </a:fld>
             <a:endParaRPr lang="en-US" dirty="0"/>
           </a:p>
@@ -3435,6 +3865,7 @@
     <p:sldLayoutId id="2147483658" r:id="rId10"/>
     <p:sldLayoutId id="2147483659" r:id="rId11"/>
   </p:sldLayoutIdLst>
+  <p:hf hdr="0" ftr="0" dt="0"/>
   <p:txStyles>
     <p:titleStyle>
       <a:lvl1pPr algn="l" defTabSz="914400" rtl="0" eaLnBrk="1" latinLnBrk="0" hangingPunct="1">
@@ -3815,19 +4246,20 @@
             <a:spLocks noGrp="1"/>
           </p:cNvSpPr>
           <p:nvPr>
-            <p:ph type="ctrTitle"/>
-          </p:nvPr>
-        </p:nvSpPr>
-        <p:spPr>
-          <a:xfrm>
-            <a:off x="1915127" y="715028"/>
-            <a:ext cx="8361229" cy="2098226"/>
+            <p:ph type="title"/>
+          </p:nvPr>
+        </p:nvSpPr>
+        <p:spPr>
+          <a:xfrm>
+            <a:off x="1371599" y="1198418"/>
+            <a:ext cx="9601200" cy="1485900"/>
           </a:xfrm>
         </p:spPr>
         <p:txBody>
           <a:bodyPr/>
           <a:lstStyle/>
           <a:p>
+            <a:pPr algn="ctr"/>
             <a:r>
               <a:rPr lang="ru-RU" dirty="0"/>
               <a:t>Курсовая работа</a:t>
@@ -3838,87 +4270,303 @@
       <p:sp>
         <p:nvSpPr>
           <p:cNvPr id="3" name="Подзаголовок 2"/>
-          <p:cNvSpPr>
-            <a:spLocks noGrp="1"/>
-          </p:cNvSpPr>
-          <p:nvPr>
-            <p:ph type="subTitle" idx="1"/>
-          </p:nvPr>
-        </p:nvSpPr>
-        <p:spPr>
-          <a:xfrm>
-            <a:off x="2679906" y="2813255"/>
+          <p:cNvSpPr txBox="1">
+            <a:spLocks/>
+          </p:cNvSpPr>
+          <p:nvPr/>
+        </p:nvSpPr>
+        <p:spPr>
+          <a:xfrm>
+            <a:off x="2756363" y="2577727"/>
             <a:ext cx="6831673" cy="2229262"/>
           </a:xfrm>
-        </p:spPr>
+          <a:prstGeom prst="rect">
+            <a:avLst/>
+          </a:prstGeom>
+        </p:spPr>
+        <p:txBody>
+          <a:bodyPr/>
+          <a:lstStyle>
+            <a:lvl1pPr marL="384048" indent="-384048" algn="l" defTabSz="914400" rtl="0" eaLnBrk="1" latinLnBrk="0" hangingPunct="1">
+              <a:lnSpc>
+                <a:spcPct val="94000"/>
+              </a:lnSpc>
+              <a:spcBef>
+                <a:spcPts val="1000"/>
+              </a:spcBef>
+              <a:spcAft>
+                <a:spcPts val="200"/>
+              </a:spcAft>
+              <a:buFont typeface="Franklin Gothic Book" panose="020B0503020102020204" pitchFamily="34" charset="0"/>
+              <a:buChar char="■"/>
+              <a:defRPr sz="2000" kern="1200" baseline="0">
+                <a:solidFill>
+                  <a:schemeClr val="tx2"/>
+                </a:solidFill>
+                <a:latin typeface="+mn-lt"/>
+                <a:ea typeface="+mn-ea"/>
+                <a:cs typeface="+mn-cs"/>
+              </a:defRPr>
+            </a:lvl1pPr>
+            <a:lvl2pPr marL="914400" indent="-384048" algn="l" defTabSz="914400" rtl="0" eaLnBrk="1" latinLnBrk="0" hangingPunct="1">
+              <a:lnSpc>
+                <a:spcPct val="94000"/>
+              </a:lnSpc>
+              <a:spcBef>
+                <a:spcPts val="500"/>
+              </a:spcBef>
+              <a:spcAft>
+                <a:spcPts val="200"/>
+              </a:spcAft>
+              <a:buFont typeface="Franklin Gothic Book" panose="020B0503020102020204" pitchFamily="34" charset="0"/>
+              <a:buChar char="–"/>
+              <a:defRPr sz="2000" i="1" kern="1200" baseline="0">
+                <a:solidFill>
+                  <a:schemeClr val="tx2"/>
+                </a:solidFill>
+                <a:latin typeface="+mn-lt"/>
+                <a:ea typeface="+mn-ea"/>
+                <a:cs typeface="+mn-cs"/>
+              </a:defRPr>
+            </a:lvl2pPr>
+            <a:lvl3pPr marL="1371600" indent="-384048" algn="l" defTabSz="914400" rtl="0" eaLnBrk="1" latinLnBrk="0" hangingPunct="1">
+              <a:lnSpc>
+                <a:spcPct val="94000"/>
+              </a:lnSpc>
+              <a:spcBef>
+                <a:spcPts val="500"/>
+              </a:spcBef>
+              <a:spcAft>
+                <a:spcPts val="200"/>
+              </a:spcAft>
+              <a:buFont typeface="Franklin Gothic Book" panose="020B0503020102020204" pitchFamily="34" charset="0"/>
+              <a:buChar char="■"/>
+              <a:defRPr sz="1800" kern="1200" baseline="0">
+                <a:solidFill>
+                  <a:schemeClr val="tx2"/>
+                </a:solidFill>
+                <a:latin typeface="+mn-lt"/>
+                <a:ea typeface="+mn-ea"/>
+                <a:cs typeface="+mn-cs"/>
+              </a:defRPr>
+            </a:lvl3pPr>
+            <a:lvl4pPr marL="1828800" indent="-384048" algn="l" defTabSz="914400" rtl="0" eaLnBrk="1" latinLnBrk="0" hangingPunct="1">
+              <a:lnSpc>
+                <a:spcPct val="94000"/>
+              </a:lnSpc>
+              <a:spcBef>
+                <a:spcPts val="500"/>
+              </a:spcBef>
+              <a:spcAft>
+                <a:spcPts val="200"/>
+              </a:spcAft>
+              <a:buFont typeface="Franklin Gothic Book" panose="020B0503020102020204" pitchFamily="34" charset="0"/>
+              <a:buChar char="–"/>
+              <a:defRPr sz="1800" i="1" kern="1200" baseline="0">
+                <a:solidFill>
+                  <a:schemeClr val="tx2"/>
+                </a:solidFill>
+                <a:latin typeface="+mn-lt"/>
+                <a:ea typeface="+mn-ea"/>
+                <a:cs typeface="+mn-cs"/>
+              </a:defRPr>
+            </a:lvl4pPr>
+            <a:lvl5pPr marL="2286000" indent="-384048" algn="l" defTabSz="914400" rtl="0" eaLnBrk="1" latinLnBrk="0" hangingPunct="1">
+              <a:lnSpc>
+                <a:spcPct val="94000"/>
+              </a:lnSpc>
+              <a:spcBef>
+                <a:spcPts val="500"/>
+              </a:spcBef>
+              <a:spcAft>
+                <a:spcPts val="200"/>
+              </a:spcAft>
+              <a:buFont typeface="Franklin Gothic Book" panose="020B0503020102020204" pitchFamily="34" charset="0"/>
+              <a:buChar char="■"/>
+              <a:defRPr sz="1600" kern="1200" baseline="0">
+                <a:solidFill>
+                  <a:schemeClr val="tx2"/>
+                </a:solidFill>
+                <a:latin typeface="+mn-lt"/>
+                <a:ea typeface="+mn-ea"/>
+                <a:cs typeface="+mn-cs"/>
+              </a:defRPr>
+            </a:lvl5pPr>
+            <a:lvl6pPr marL="2743200" indent="-384048" algn="l" defTabSz="914400" rtl="0" eaLnBrk="1" latinLnBrk="0" hangingPunct="1">
+              <a:lnSpc>
+                <a:spcPct val="94000"/>
+              </a:lnSpc>
+              <a:spcBef>
+                <a:spcPts val="500"/>
+              </a:spcBef>
+              <a:spcAft>
+                <a:spcPts val="200"/>
+              </a:spcAft>
+              <a:buFont typeface="Franklin Gothic Book" panose="020B0503020102020204" pitchFamily="34" charset="0"/>
+              <a:buChar char="–"/>
+              <a:defRPr sz="1600" i="1" kern="1200" baseline="0">
+                <a:solidFill>
+                  <a:schemeClr val="tx2"/>
+                </a:solidFill>
+                <a:latin typeface="+mn-lt"/>
+                <a:ea typeface="+mn-ea"/>
+                <a:cs typeface="+mn-cs"/>
+              </a:defRPr>
+            </a:lvl6pPr>
+            <a:lvl7pPr marL="3200400" indent="-384048" algn="l" defTabSz="914400" rtl="0" eaLnBrk="1" latinLnBrk="0" hangingPunct="1">
+              <a:lnSpc>
+                <a:spcPct val="94000"/>
+              </a:lnSpc>
+              <a:spcBef>
+                <a:spcPts val="500"/>
+              </a:spcBef>
+              <a:spcAft>
+                <a:spcPts val="200"/>
+              </a:spcAft>
+              <a:buFont typeface="Franklin Gothic Book" panose="020B0503020102020204" pitchFamily="34" charset="0"/>
+              <a:buChar char="■"/>
+              <a:defRPr sz="1400" kern="1200" baseline="0">
+                <a:solidFill>
+                  <a:schemeClr val="tx2"/>
+                </a:solidFill>
+                <a:latin typeface="+mn-lt"/>
+                <a:ea typeface="+mn-ea"/>
+                <a:cs typeface="+mn-cs"/>
+              </a:defRPr>
+            </a:lvl7pPr>
+            <a:lvl8pPr marL="3657600" indent="-384048" algn="l" defTabSz="914400" rtl="0" eaLnBrk="1" latinLnBrk="0" hangingPunct="1">
+              <a:lnSpc>
+                <a:spcPct val="94000"/>
+              </a:lnSpc>
+              <a:spcBef>
+                <a:spcPts val="500"/>
+              </a:spcBef>
+              <a:spcAft>
+                <a:spcPts val="200"/>
+              </a:spcAft>
+              <a:buFont typeface="Franklin Gothic Book" panose="020B0503020102020204" pitchFamily="34" charset="0"/>
+              <a:buChar char="–"/>
+              <a:defRPr sz="1400" i="1" kern="1200" baseline="0">
+                <a:solidFill>
+                  <a:schemeClr val="tx2"/>
+                </a:solidFill>
+                <a:latin typeface="+mn-lt"/>
+                <a:ea typeface="+mn-ea"/>
+                <a:cs typeface="+mn-cs"/>
+              </a:defRPr>
+            </a:lvl8pPr>
+            <a:lvl9pPr marL="4114800" indent="-384048" algn="l" defTabSz="914400" rtl="0" eaLnBrk="1" latinLnBrk="0" hangingPunct="1">
+              <a:lnSpc>
+                <a:spcPct val="94000"/>
+              </a:lnSpc>
+              <a:spcBef>
+                <a:spcPts val="500"/>
+              </a:spcBef>
+              <a:spcAft>
+                <a:spcPts val="200"/>
+              </a:spcAft>
+              <a:buFont typeface="Franklin Gothic Book" panose="020B0503020102020204" pitchFamily="34" charset="0"/>
+              <a:buChar char="■"/>
+              <a:defRPr sz="1400" kern="1200" baseline="0">
+                <a:solidFill>
+                  <a:schemeClr val="tx2"/>
+                </a:solidFill>
+                <a:latin typeface="+mn-lt"/>
+                <a:ea typeface="+mn-ea"/>
+                <a:cs typeface="+mn-cs"/>
+              </a:defRPr>
+            </a:lvl9pPr>
+          </a:lstStyle>
+          <a:p>
+            <a:pPr marL="0" indent="0" algn="ctr">
+              <a:buNone/>
+            </a:pPr>
+            <a:r>
+              <a:rPr lang="ru-RU" dirty="0" smtClean="0"/>
+              <a:t>На тему</a:t>
+            </a:r>
+            <a:r>
+              <a:rPr lang="en-US" dirty="0" smtClean="0"/>
+              <a:t>: «</a:t>
+            </a:r>
+            <a:r>
+              <a:rPr lang="ru-RU" dirty="0" smtClean="0"/>
+              <a:t>Калькулятор с расширенными возможностями</a:t>
+            </a:r>
+            <a:r>
+              <a:rPr lang="en-US" dirty="0" smtClean="0"/>
+              <a:t>»</a:t>
+            </a:r>
+            <a:endParaRPr lang="ru-RU" dirty="0" smtClean="0"/>
+          </a:p>
+          <a:p>
+            <a:pPr marL="0" indent="0" algn="ctr">
+              <a:buNone/>
+            </a:pPr>
+            <a:r>
+              <a:rPr lang="ru-RU" dirty="0" smtClean="0"/>
+              <a:t>По дисциплине Системное Программирование</a:t>
+            </a:r>
+            <a:endParaRPr lang="en-US" dirty="0" smtClean="0"/>
+          </a:p>
+          <a:p>
+            <a:pPr marL="0" indent="0" algn="ctr">
+              <a:buNone/>
+            </a:pPr>
+            <a:r>
+              <a:rPr lang="ru-RU" dirty="0" smtClean="0"/>
+              <a:t>Выполнил студент группы ИУК5-42Б Кузнецов Р.С.</a:t>
+            </a:r>
+          </a:p>
+          <a:p>
+            <a:pPr marL="0" indent="0" algn="ctr">
+              <a:buNone/>
+            </a:pPr>
+            <a:r>
+              <a:rPr lang="ru-RU" dirty="0" smtClean="0"/>
+              <a:t>Руководитель</a:t>
+            </a:r>
+            <a:r>
+              <a:rPr lang="en-US" dirty="0" smtClean="0"/>
+              <a:t> </a:t>
+            </a:r>
+            <a:r>
+              <a:rPr lang="ru-RU" dirty="0" smtClean="0"/>
+              <a:t>Фролов П.В.</a:t>
+            </a:r>
+          </a:p>
+          <a:p>
+            <a:endParaRPr lang="ru-RU" dirty="0"/>
+          </a:p>
+        </p:txBody>
+      </p:sp>
+      <p:sp>
+        <p:nvSpPr>
+          <p:cNvPr id="4" name="Номер слайда 3"/>
+          <p:cNvSpPr>
+            <a:spLocks noGrp="1"/>
+          </p:cNvSpPr>
+          <p:nvPr>
+            <p:ph type="sldNum" sz="quarter" idx="12"/>
+          </p:nvPr>
+        </p:nvSpPr>
+        <p:spPr/>
         <p:txBody>
           <a:bodyPr/>
           <a:lstStyle/>
           <a:p>
-            <a:r>
-              <a:rPr lang="ru-RU" dirty="0"/>
-              <a:t>На тему</a:t>
-            </a:r>
-            <a:r>
-              <a:rPr lang="en-US" dirty="0"/>
-              <a:t>: </a:t>
-            </a:r>
-            <a:r>
-              <a:rPr lang="en-US" dirty="0" smtClean="0"/>
-              <a:t>«</a:t>
-            </a:r>
-            <a:r>
-              <a:rPr lang="ru-RU" dirty="0" smtClean="0"/>
-              <a:t>Калькулятор с расширенными возможностями</a:t>
-            </a:r>
-            <a:r>
-              <a:rPr lang="en-US" dirty="0" smtClean="0"/>
-              <a:t>»</a:t>
-            </a:r>
-            <a:endParaRPr lang="ru-RU" dirty="0"/>
-          </a:p>
-          <a:p>
-            <a:r>
-              <a:rPr lang="ru-RU" dirty="0"/>
-              <a:t>По дисциплине Системное Программирование</a:t>
-            </a:r>
+            <a:fld id="{69E57DC2-970A-4B3E-BB1C-7A09969E49DF}" type="slidenum">
+              <a:rPr lang="en-US" smtClean="0"/>
+              <a:t>1</a:t>
+            </a:fld>
             <a:endParaRPr lang="en-US" dirty="0"/>
-          </a:p>
-          <a:p>
-            <a:r>
-              <a:rPr lang="ru-RU" dirty="0"/>
-              <a:t>Выполнил студент группы ИУК5-42Б </a:t>
-            </a:r>
-            <a:r>
-              <a:rPr lang="ru-RU" dirty="0" smtClean="0"/>
-              <a:t>Кузнецов Р.С.</a:t>
-            </a:r>
-            <a:endParaRPr lang="ru-RU" dirty="0"/>
-          </a:p>
-          <a:p>
-            <a:r>
-              <a:rPr lang="ru-RU" dirty="0"/>
-              <a:t>Руководитель</a:t>
-            </a:r>
-            <a:r>
-              <a:rPr lang="en-US" dirty="0"/>
-              <a:t> </a:t>
-            </a:r>
-            <a:r>
-              <a:rPr lang="ru-RU" dirty="0" smtClean="0"/>
-              <a:t>Фролов П.В.</a:t>
-            </a:r>
-            <a:endParaRPr lang="ru-RU" dirty="0"/>
-          </a:p>
-          <a:p>
-            <a:endParaRPr lang="ru-RU" dirty="0"/>
           </a:p>
         </p:txBody>
       </p:sp>
     </p:spTree>
     <p:extLst>
       <p:ext uri="{BB962C8B-B14F-4D97-AF65-F5344CB8AC3E}">
-        <p14:creationId xmlns:p14="http://schemas.microsoft.com/office/powerpoint/2010/main" val="3020660218"/>
+        <p14:creationId xmlns:p14="http://schemas.microsoft.com/office/powerpoint/2010/main" val="617745725"/>
       </p:ext>
     </p:extLst>
   </p:cSld>
@@ -3957,54 +4605,188 @@
         </p:nvSpPr>
         <p:spPr>
           <a:xfrm>
-            <a:off x="1371600" y="685800"/>
-            <a:ext cx="3995530" cy="1485900"/>
-          </a:xfrm>
-        </p:spPr>
-        <p:txBody>
-          <a:bodyPr>
-            <a:normAutofit fontScale="90000"/>
-          </a:bodyPr>
+            <a:off x="1467828" y="325582"/>
+            <a:ext cx="9601200" cy="1485900"/>
+          </a:xfrm>
+        </p:spPr>
+        <p:txBody>
+          <a:bodyPr/>
           <a:lstStyle/>
           <a:p>
+            <a:pPr algn="ctr"/>
             <a:r>
               <a:rPr lang="ru-RU" dirty="0" smtClean="0"/>
-              <a:t>Блок-схема функции </a:t>
-            </a:r>
-            <a:r>
-              <a:rPr lang="en-US" dirty="0" err="1" smtClean="0"/>
-              <a:t>WndProc</a:t>
+              <a:t>Заключение</a:t>
             </a:r>
             <a:endParaRPr lang="ru-RU" dirty="0"/>
           </a:p>
         </p:txBody>
       </p:sp>
-      <p:pic>
-        <p:nvPicPr>
-          <p:cNvPr id="4" name="Рисунок 3"/>
-          <p:cNvPicPr/>
+      <p:sp>
+        <p:nvSpPr>
+          <p:cNvPr id="4" name="Номер слайда 3"/>
+          <p:cNvSpPr>
+            <a:spLocks noGrp="1"/>
+          </p:cNvSpPr>
+          <p:nvPr>
+            <p:ph type="sldNum" sz="quarter" idx="12"/>
+          </p:nvPr>
+        </p:nvSpPr>
+        <p:spPr/>
+        <p:txBody>
+          <a:bodyPr/>
+          <a:lstStyle/>
+          <a:p>
+            <a:fld id="{69E57DC2-970A-4B3E-BB1C-7A09969E49DF}" type="slidenum">
+              <a:rPr lang="en-US" smtClean="0"/>
+              <a:t>10</a:t>
+            </a:fld>
+            <a:endParaRPr lang="en-US" dirty="0"/>
+          </a:p>
+        </p:txBody>
+      </p:sp>
+      <p:sp>
+        <p:nvSpPr>
+          <p:cNvPr id="5" name="Прямоугольник 4"/>
+          <p:cNvSpPr/>
           <p:nvPr/>
-        </p:nvPicPr>
-        <p:blipFill>
-          <a:blip r:embed="rId2"/>
-          <a:stretch>
-            <a:fillRect/>
-          </a:stretch>
-        </p:blipFill>
-        <p:spPr>
-          <a:xfrm>
-            <a:off x="5238336" y="239159"/>
-            <a:ext cx="4992342" cy="6386927"/>
+        </p:nvSpPr>
+        <p:spPr>
+          <a:xfrm>
+            <a:off x="3747655" y="1358531"/>
+            <a:ext cx="5491439" cy="1726938"/>
           </a:xfrm>
           <a:prstGeom prst="rect">
             <a:avLst/>
           </a:prstGeom>
         </p:spPr>
-      </p:pic>
+        <p:style>
+          <a:lnRef idx="2">
+            <a:schemeClr val="accent6"/>
+          </a:lnRef>
+          <a:fillRef idx="1">
+            <a:schemeClr val="lt1"/>
+          </a:fillRef>
+          <a:effectRef idx="0">
+            <a:schemeClr val="accent6"/>
+          </a:effectRef>
+          <a:fontRef idx="minor">
+            <a:schemeClr val="dk1"/>
+          </a:fontRef>
+        </p:style>
+        <p:txBody>
+          <a:bodyPr rtlCol="0" anchor="ctr"/>
+          <a:lstStyle/>
+          <a:p>
+            <a:pPr algn="ctr"/>
+            <a:r>
+              <a:rPr lang="ru-RU" dirty="0"/>
+              <a:t>В ходе выполнения курсовой работы был разработан калькулятор с расширенными возможностями на основе </a:t>
+            </a:r>
+            <a:r>
+              <a:rPr lang="en-US" dirty="0" err="1" smtClean="0"/>
+              <a:t>WinAPI</a:t>
+            </a:r>
+            <a:endParaRPr lang="en-US" dirty="0"/>
+          </a:p>
+        </p:txBody>
+      </p:sp>
+      <p:sp>
+        <p:nvSpPr>
+          <p:cNvPr id="6" name="Прямоугольник 5"/>
+          <p:cNvSpPr/>
+          <p:nvPr/>
+        </p:nvSpPr>
+        <p:spPr>
+          <a:xfrm>
+            <a:off x="2999507" y="3302458"/>
+            <a:ext cx="6857999" cy="1350818"/>
+          </a:xfrm>
+          <a:prstGeom prst="rect">
+            <a:avLst/>
+          </a:prstGeom>
+        </p:spPr>
+        <p:style>
+          <a:lnRef idx="2">
+            <a:schemeClr val="accent6"/>
+          </a:lnRef>
+          <a:fillRef idx="1">
+            <a:schemeClr val="lt1"/>
+          </a:fillRef>
+          <a:effectRef idx="0">
+            <a:schemeClr val="accent6"/>
+          </a:effectRef>
+          <a:fontRef idx="minor">
+            <a:schemeClr val="dk1"/>
+          </a:fontRef>
+        </p:style>
+        <p:txBody>
+          <a:bodyPr rtlCol="0" anchor="ctr"/>
+          <a:lstStyle/>
+          <a:p>
+            <a:pPr algn="ctr"/>
+            <a:r>
+              <a:rPr lang="ru-RU" dirty="0"/>
+              <a:t>Были сформированы навыки по разработке и реализации программного приложения с использованием интерфейса прикладного программирования (АРI) операционных </a:t>
+            </a:r>
+            <a:r>
+              <a:rPr lang="ru-RU" dirty="0" smtClean="0"/>
+              <a:t>систем</a:t>
+            </a:r>
+            <a:endParaRPr lang="ru-RU" dirty="0"/>
+          </a:p>
+        </p:txBody>
+      </p:sp>
+      <p:sp>
+        <p:nvSpPr>
+          <p:cNvPr id="7" name="Прямоугольник 6"/>
+          <p:cNvSpPr/>
+          <p:nvPr/>
+        </p:nvSpPr>
+        <p:spPr>
+          <a:xfrm>
+            <a:off x="3617921" y="4965831"/>
+            <a:ext cx="5621173" cy="1726938"/>
+          </a:xfrm>
+          <a:prstGeom prst="rect">
+            <a:avLst/>
+          </a:prstGeom>
+        </p:spPr>
+        <p:style>
+          <a:lnRef idx="2">
+            <a:schemeClr val="accent6"/>
+          </a:lnRef>
+          <a:fillRef idx="1">
+            <a:schemeClr val="lt1"/>
+          </a:fillRef>
+          <a:effectRef idx="0">
+            <a:schemeClr val="accent6"/>
+          </a:effectRef>
+          <a:fontRef idx="minor">
+            <a:schemeClr val="dk1"/>
+          </a:fontRef>
+        </p:style>
+        <p:txBody>
+          <a:bodyPr rtlCol="0" anchor="ctr"/>
+          <a:lstStyle/>
+          <a:p>
+            <a:pPr algn="ctr"/>
+            <a:r>
+              <a:rPr lang="ru-RU" dirty="0"/>
+              <a:t>В будущем можно усовершенствовать разработанное приложение путем добавления дополнительного функционала (например, добавление кнопок памяти</a:t>
+            </a:r>
+            <a:r>
+              <a:rPr lang="ru-RU" dirty="0" smtClean="0"/>
+              <a:t>)</a:t>
+            </a:r>
+            <a:endParaRPr lang="ru-RU" dirty="0"/>
+          </a:p>
+        </p:txBody>
+      </p:sp>
     </p:spTree>
     <p:extLst>
       <p:ext uri="{BB962C8B-B14F-4D97-AF65-F5344CB8AC3E}">
-        <p14:creationId xmlns:p14="http://schemas.microsoft.com/office/powerpoint/2010/main" val="197926295"/>
+        <p14:creationId xmlns:p14="http://schemas.microsoft.com/office/powerpoint/2010/main" val="3653304622"/>
       </p:ext>
     </p:extLst>
   </p:cSld>
@@ -4038,291 +4820,7 @@
             <a:spLocks noGrp="1"/>
           </p:cNvSpPr>
           <p:nvPr>
-            <p:ph type="title"/>
-          </p:nvPr>
-        </p:nvSpPr>
-        <p:spPr>
-          <a:xfrm>
-            <a:off x="1371599" y="685800"/>
-            <a:ext cx="9866243" cy="864704"/>
-          </a:xfrm>
-        </p:spPr>
-        <p:txBody>
-          <a:bodyPr>
-            <a:normAutofit fontScale="90000"/>
-          </a:bodyPr>
-          <a:lstStyle/>
-          <a:p>
-            <a:r>
-              <a:rPr lang="ru-RU" dirty="0" smtClean="0"/>
-              <a:t>Скриншоты пользовательского интерфейса</a:t>
-            </a:r>
-            <a:endParaRPr lang="ru-RU" dirty="0"/>
-          </a:p>
-        </p:txBody>
-      </p:sp>
-      <p:pic>
-        <p:nvPicPr>
-          <p:cNvPr id="4" name="Объект 3"/>
-          <p:cNvPicPr>
-            <a:picLocks noGrp="1" noChangeAspect="1"/>
-          </p:cNvPicPr>
-          <p:nvPr>
-            <p:ph idx="1"/>
-          </p:nvPr>
-        </p:nvPicPr>
-        <p:blipFill>
-          <a:blip r:embed="rId2"/>
-          <a:stretch>
-            <a:fillRect/>
-          </a:stretch>
-        </p:blipFill>
-        <p:spPr>
-          <a:xfrm>
-            <a:off x="1362075" y="2071686"/>
-            <a:ext cx="2924175" cy="3952875"/>
-          </a:xfrm>
-          <a:prstGeom prst="rect">
-            <a:avLst/>
-          </a:prstGeom>
-        </p:spPr>
-      </p:pic>
-      <p:pic>
-        <p:nvPicPr>
-          <p:cNvPr id="5" name="Рисунок 4"/>
-          <p:cNvPicPr>
-            <a:picLocks noChangeAspect="1"/>
-          </p:cNvPicPr>
-          <p:nvPr/>
-        </p:nvPicPr>
-        <p:blipFill>
-          <a:blip r:embed="rId3"/>
-          <a:stretch>
-            <a:fillRect/>
-          </a:stretch>
-        </p:blipFill>
-        <p:spPr>
-          <a:xfrm>
-            <a:off x="4993169" y="2280189"/>
-            <a:ext cx="2914650" cy="1533525"/>
-          </a:xfrm>
-          <a:prstGeom prst="rect">
-            <a:avLst/>
-          </a:prstGeom>
-        </p:spPr>
-      </p:pic>
-      <p:pic>
-        <p:nvPicPr>
-          <p:cNvPr id="6" name="Рисунок 5"/>
-          <p:cNvPicPr>
-            <a:picLocks noChangeAspect="1"/>
-          </p:cNvPicPr>
-          <p:nvPr/>
-        </p:nvPicPr>
-        <p:blipFill>
-          <a:blip r:embed="rId4"/>
-          <a:stretch>
-            <a:fillRect/>
-          </a:stretch>
-        </p:blipFill>
-        <p:spPr>
-          <a:xfrm>
-            <a:off x="4993169" y="4212740"/>
-            <a:ext cx="2905125" cy="1533525"/>
-          </a:xfrm>
-          <a:prstGeom prst="rect">
-            <a:avLst/>
-          </a:prstGeom>
-        </p:spPr>
-      </p:pic>
-      <p:pic>
-        <p:nvPicPr>
-          <p:cNvPr id="8" name="Рисунок 7"/>
-          <p:cNvPicPr>
-            <a:picLocks noChangeAspect="1"/>
-          </p:cNvPicPr>
-          <p:nvPr/>
-        </p:nvPicPr>
-        <p:blipFill>
-          <a:blip r:embed="rId5"/>
-          <a:stretch>
-            <a:fillRect/>
-          </a:stretch>
-        </p:blipFill>
-        <p:spPr>
-          <a:xfrm>
-            <a:off x="8614738" y="2289714"/>
-            <a:ext cx="2895600" cy="1524000"/>
-          </a:xfrm>
-          <a:prstGeom prst="rect">
-            <a:avLst/>
-          </a:prstGeom>
-        </p:spPr>
-      </p:pic>
-      <p:pic>
-        <p:nvPicPr>
-          <p:cNvPr id="9" name="Рисунок 8"/>
-          <p:cNvPicPr>
-            <a:picLocks noChangeAspect="1"/>
-          </p:cNvPicPr>
-          <p:nvPr/>
-        </p:nvPicPr>
-        <p:blipFill>
-          <a:blip r:embed="rId6"/>
-          <a:stretch>
-            <a:fillRect/>
-          </a:stretch>
-        </p:blipFill>
-        <p:spPr>
-          <a:xfrm>
-            <a:off x="8605213" y="4222265"/>
-            <a:ext cx="2895600" cy="1524000"/>
-          </a:xfrm>
-          <a:prstGeom prst="rect">
-            <a:avLst/>
-          </a:prstGeom>
-        </p:spPr>
-      </p:pic>
-      <p:sp>
-        <p:nvSpPr>
-          <p:cNvPr id="10" name="TextBox 9"/>
-          <p:cNvSpPr txBox="1"/>
-          <p:nvPr/>
-        </p:nvSpPr>
-        <p:spPr>
-          <a:xfrm>
-            <a:off x="1219428" y="1581495"/>
-            <a:ext cx="3209468" cy="369332"/>
-          </a:xfrm>
-          <a:prstGeom prst="rect">
-            <a:avLst/>
-          </a:prstGeom>
-          <a:noFill/>
-        </p:spPr>
-        <p:txBody>
-          <a:bodyPr wrap="none" rtlCol="0">
-            <a:spAutoFit/>
-          </a:bodyPr>
-          <a:lstStyle/>
-          <a:p>
-            <a:r>
-              <a:rPr lang="ru-RU" dirty="0" smtClean="0"/>
-              <a:t>Окно приложения при запуске</a:t>
-            </a:r>
-            <a:endParaRPr lang="ru-RU" dirty="0"/>
-          </a:p>
-        </p:txBody>
-      </p:sp>
-      <p:sp>
-        <p:nvSpPr>
-          <p:cNvPr id="11" name="TextBox 10"/>
-          <p:cNvSpPr txBox="1"/>
-          <p:nvPr/>
-        </p:nvSpPr>
-        <p:spPr>
-          <a:xfrm>
-            <a:off x="4993169" y="1581495"/>
-            <a:ext cx="3024033" cy="646331"/>
-          </a:xfrm>
-          <a:prstGeom prst="rect">
-            <a:avLst/>
-          </a:prstGeom>
-          <a:noFill/>
-        </p:spPr>
-        <p:txBody>
-          <a:bodyPr wrap="none" rtlCol="0">
-            <a:spAutoFit/>
-          </a:bodyPr>
-          <a:lstStyle/>
-          <a:p>
-            <a:r>
-              <a:rPr lang="ru-RU" dirty="0" smtClean="0"/>
-              <a:t>Пример вычисления в </a:t>
-            </a:r>
-          </a:p>
-          <a:p>
-            <a:r>
-              <a:rPr lang="ru-RU" dirty="0" smtClean="0"/>
-              <a:t>режиме работы с градусами</a:t>
-            </a:r>
-            <a:endParaRPr lang="ru-RU" dirty="0"/>
-          </a:p>
-        </p:txBody>
-      </p:sp>
-      <p:sp>
-        <p:nvSpPr>
-          <p:cNvPr id="12" name="TextBox 11"/>
-          <p:cNvSpPr txBox="1"/>
-          <p:nvPr/>
-        </p:nvSpPr>
-        <p:spPr>
-          <a:xfrm>
-            <a:off x="8581475" y="1576363"/>
-            <a:ext cx="3107261" cy="646331"/>
-          </a:xfrm>
-          <a:prstGeom prst="rect">
-            <a:avLst/>
-          </a:prstGeom>
-          <a:noFill/>
-        </p:spPr>
-        <p:txBody>
-          <a:bodyPr wrap="none" rtlCol="0">
-            <a:spAutoFit/>
-          </a:bodyPr>
-          <a:lstStyle/>
-          <a:p>
-            <a:r>
-              <a:rPr lang="ru-RU" dirty="0" smtClean="0"/>
-              <a:t>Пример вычисления в </a:t>
-            </a:r>
-          </a:p>
-          <a:p>
-            <a:r>
-              <a:rPr lang="ru-RU" dirty="0" smtClean="0"/>
-              <a:t>режиме работы с радианами</a:t>
-            </a:r>
-            <a:endParaRPr lang="ru-RU" dirty="0"/>
-          </a:p>
-        </p:txBody>
-      </p:sp>
-    </p:spTree>
-    <p:extLst>
-      <p:ext uri="{BB962C8B-B14F-4D97-AF65-F5344CB8AC3E}">
-        <p14:creationId xmlns:p14="http://schemas.microsoft.com/office/powerpoint/2010/main" val="380583953"/>
-      </p:ext>
-    </p:extLst>
-  </p:cSld>
-  <p:clrMapOvr>
-    <a:masterClrMapping/>
-  </p:clrMapOvr>
-</p:sld>
-</file>
-
-<file path=ppt/slides/slide12.xml><?xml version="1.0" encoding="utf-8"?>
-<p:sld xmlns:a="http://schemas.openxmlformats.org/drawingml/2006/main" xmlns:r="http://schemas.openxmlformats.org/officeDocument/2006/relationships" xmlns:p="http://schemas.openxmlformats.org/presentationml/2006/main">
-  <p:cSld>
-    <p:spTree>
-      <p:nvGrpSpPr>
-        <p:cNvPr id="1" name=""/>
-        <p:cNvGrpSpPr/>
-        <p:nvPr/>
-      </p:nvGrpSpPr>
-      <p:grpSpPr>
-        <a:xfrm>
-          <a:off x="0" y="0"/>
-          <a:ext cx="0" cy="0"/>
-          <a:chOff x="0" y="0"/>
-          <a:chExt cx="0" cy="0"/>
-        </a:xfrm>
-      </p:grpSpPr>
-      <p:sp>
-        <p:nvSpPr>
-          <p:cNvPr id="2" name="Заголовок 1"/>
-          <p:cNvSpPr>
-            <a:spLocks noGrp="1"/>
-          </p:cNvSpPr>
-          <p:nvPr>
-            <p:ph type="title"/>
+            <p:ph type="ctrTitle"/>
           </p:nvPr>
         </p:nvSpPr>
         <p:spPr/>
@@ -4331,180 +4829,34 @@
           <a:lstStyle/>
           <a:p>
             <a:r>
-              <a:rPr lang="ru-RU" dirty="0" smtClean="0"/>
-              <a:t>Заключение</a:t>
-            </a:r>
-            <a:endParaRPr lang="ru-RU" dirty="0"/>
-          </a:p>
-        </p:txBody>
-      </p:sp>
-      <p:sp>
-        <p:nvSpPr>
-          <p:cNvPr id="3" name="Объект 2"/>
-          <p:cNvSpPr>
-            <a:spLocks noGrp="1"/>
-          </p:cNvSpPr>
-          <p:nvPr>
-            <p:ph idx="1"/>
-          </p:nvPr>
-        </p:nvSpPr>
-        <p:spPr>
-          <a:xfrm>
-            <a:off x="1371600" y="1351722"/>
-            <a:ext cx="9601200" cy="4515678"/>
-          </a:xfrm>
-        </p:spPr>
+              <a:rPr lang="ru-RU" sz="5500" dirty="0" smtClean="0"/>
+              <a:t>Спасибо за внимание!</a:t>
+            </a:r>
+            <a:endParaRPr lang="ru-RU" sz="5500" dirty="0"/>
+          </a:p>
+        </p:txBody>
+      </p:sp>
+      <p:sp>
+        <p:nvSpPr>
+          <p:cNvPr id="3" name="Номер слайда 2"/>
+          <p:cNvSpPr>
+            <a:spLocks noGrp="1"/>
+          </p:cNvSpPr>
+          <p:nvPr>
+            <p:ph type="sldNum" sz="quarter" idx="12"/>
+          </p:nvPr>
+        </p:nvSpPr>
+        <p:spPr/>
         <p:txBody>
           <a:bodyPr/>
           <a:lstStyle/>
           <a:p>
-            <a:pPr marL="0" indent="0" algn="just">
-              <a:buNone/>
-            </a:pPr>
-            <a:r>
-              <a:rPr lang="ru-RU" dirty="0" smtClean="0"/>
-              <a:t>	В </a:t>
-            </a:r>
-            <a:r>
-              <a:rPr lang="ru-RU" dirty="0"/>
-              <a:t>ходе </a:t>
-            </a:r>
-            <a:r>
-              <a:rPr lang="ru-RU" dirty="0" smtClean="0"/>
-              <a:t>выполнения курсовой </a:t>
-            </a:r>
-            <a:r>
-              <a:rPr lang="ru-RU" dirty="0"/>
-              <a:t>работы был разработан </a:t>
-            </a:r>
-            <a:r>
-              <a:rPr lang="ru-RU" dirty="0" smtClean="0"/>
-              <a:t>калькулятор с расширенными возможностями </a:t>
-            </a:r>
-            <a:r>
-              <a:rPr lang="ru-RU" dirty="0"/>
-              <a:t>на основе </a:t>
-            </a:r>
-            <a:r>
-              <a:rPr lang="en-US" dirty="0" err="1" smtClean="0"/>
-              <a:t>WinAPI</a:t>
-            </a:r>
-            <a:r>
-              <a:rPr lang="en-US" dirty="0" smtClean="0"/>
-              <a:t>.</a:t>
-            </a:r>
+            <a:fld id="{69E57DC2-970A-4B3E-BB1C-7A09969E49DF}" type="slidenum">
+              <a:rPr lang="en-US" smtClean="0"/>
+              <a:pPr/>
+              <a:t>11</a:t>
+            </a:fld>
             <a:endParaRPr lang="en-US" dirty="0"/>
-          </a:p>
-          <a:p>
-            <a:pPr marL="0" indent="0" algn="just">
-              <a:buNone/>
-            </a:pPr>
-            <a:r>
-              <a:rPr lang="ru-RU" dirty="0"/>
-              <a:t>	Работа выполнялась в несколько этапов</a:t>
-            </a:r>
-            <a:r>
-              <a:rPr lang="en-US" dirty="0"/>
-              <a:t>: </a:t>
-            </a:r>
-            <a:r>
-              <a:rPr lang="ru-RU" dirty="0"/>
-              <a:t>была разработана структура системы и реализовано прикладное оконное приложение на основе </a:t>
-            </a:r>
-            <a:r>
-              <a:rPr lang="en-US" dirty="0" err="1"/>
-              <a:t>WinAPI</a:t>
-            </a:r>
-            <a:r>
-              <a:rPr lang="en-US" dirty="0"/>
-              <a:t>.</a:t>
-            </a:r>
-            <a:endParaRPr lang="ru-RU" dirty="0"/>
-          </a:p>
-          <a:p>
-            <a:pPr marL="0" indent="0" algn="just">
-              <a:buNone/>
-            </a:pPr>
-            <a:r>
-              <a:rPr lang="ru-RU" dirty="0"/>
-              <a:t>	Были сформированы навыки по разработке и реализации программного приложения с использованием интерфейса прикладного программирования (АРI) операционных систем.</a:t>
-            </a:r>
-          </a:p>
-          <a:p>
-            <a:pPr marL="0" indent="0" algn="just">
-              <a:buNone/>
-            </a:pPr>
-            <a:r>
-              <a:rPr lang="ru-RU" dirty="0"/>
-              <a:t>	В данной работе выполнены все поставленные задачи.</a:t>
-            </a:r>
-          </a:p>
-          <a:p>
-            <a:pPr marL="0" indent="0" algn="just">
-              <a:buNone/>
-            </a:pPr>
-            <a:r>
-              <a:rPr lang="ru-RU" dirty="0"/>
-              <a:t>	В будущем можно усовершенствовать разработанное приложение путем добавления дополнительного функционала (например </a:t>
-            </a:r>
-            <a:r>
-              <a:rPr lang="ru-RU" dirty="0" smtClean="0"/>
-              <a:t>добавление кнопок памяти).</a:t>
-            </a:r>
-            <a:endParaRPr lang="ru-RU" dirty="0"/>
-          </a:p>
-        </p:txBody>
-      </p:sp>
-    </p:spTree>
-    <p:extLst>
-      <p:ext uri="{BB962C8B-B14F-4D97-AF65-F5344CB8AC3E}">
-        <p14:creationId xmlns:p14="http://schemas.microsoft.com/office/powerpoint/2010/main" val="3653304622"/>
-      </p:ext>
-    </p:extLst>
-  </p:cSld>
-  <p:clrMapOvr>
-    <a:masterClrMapping/>
-  </p:clrMapOvr>
-</p:sld>
-</file>
-
-<file path=ppt/slides/slide13.xml><?xml version="1.0" encoding="utf-8"?>
-<p:sld xmlns:a="http://schemas.openxmlformats.org/drawingml/2006/main" xmlns:r="http://schemas.openxmlformats.org/officeDocument/2006/relationships" xmlns:p="http://schemas.openxmlformats.org/presentationml/2006/main">
-  <p:cSld>
-    <p:spTree>
-      <p:nvGrpSpPr>
-        <p:cNvPr id="1" name=""/>
-        <p:cNvGrpSpPr/>
-        <p:nvPr/>
-      </p:nvGrpSpPr>
-      <p:grpSpPr>
-        <a:xfrm>
-          <a:off x="0" y="0"/>
-          <a:ext cx="0" cy="0"/>
-          <a:chOff x="0" y="0"/>
-          <a:chExt cx="0" cy="0"/>
-        </a:xfrm>
-      </p:grpSpPr>
-      <p:sp>
-        <p:nvSpPr>
-          <p:cNvPr id="2" name="Заголовок 1"/>
-          <p:cNvSpPr>
-            <a:spLocks noGrp="1"/>
-          </p:cNvSpPr>
-          <p:nvPr>
-            <p:ph type="ctrTitle"/>
-          </p:nvPr>
-        </p:nvSpPr>
-        <p:spPr/>
-        <p:txBody>
-          <a:bodyPr/>
-          <a:lstStyle/>
-          <a:p>
-            <a:r>
-              <a:rPr lang="ru-RU" sz="5500" dirty="0" smtClean="0"/>
-              <a:t>Спасибо за внимание!</a:t>
-            </a:r>
-            <a:endParaRPr lang="ru-RU" sz="5500" dirty="0"/>
           </a:p>
         </p:txBody>
       </p:sp>
@@ -4550,7 +4902,7 @@
         </p:nvSpPr>
         <p:spPr>
           <a:xfrm>
-            <a:off x="1371600" y="685800"/>
+            <a:off x="1467828" y="191739"/>
             <a:ext cx="9601200" cy="1036983"/>
           </a:xfrm>
         </p:spPr>
@@ -4584,45 +4936,182 @@
         </p:nvSpPr>
         <p:spPr>
           <a:xfrm>
-            <a:off x="1371600" y="1550504"/>
-            <a:ext cx="9998766" cy="5035825"/>
-          </a:xfrm>
-        </p:spPr>
+            <a:off x="3692614" y="5123068"/>
+            <a:ext cx="4668228" cy="1532625"/>
+          </a:xfrm>
+        </p:spPr>
+        <p:style>
+          <a:lnRef idx="2">
+            <a:schemeClr val="accent6"/>
+          </a:lnRef>
+          <a:fillRef idx="1">
+            <a:schemeClr val="lt1"/>
+          </a:fillRef>
+          <a:effectRef idx="0">
+            <a:schemeClr val="accent6"/>
+          </a:effectRef>
+          <a:fontRef idx="minor">
+            <a:schemeClr val="dk1"/>
+          </a:fontRef>
+        </p:style>
         <p:txBody>
           <a:bodyPr>
-            <a:normAutofit lnSpcReduction="10000"/>
+            <a:normAutofit/>
           </a:bodyPr>
           <a:lstStyle/>
           <a:p>
-            <a:pPr marL="0" indent="0">
+            <a:pPr marL="0" indent="0" algn="ctr">
               <a:buNone/>
             </a:pPr>
-            <a:r>
-              <a:rPr lang="ru-RU" sz="2300" dirty="0"/>
-              <a:t>Практически во всех сферах разработки необходимо производить быстрые арифметические и тригонометрические вычисления. В большинстве видов простых калькуляторов пользователь не может производить вычисления над тригонометрическими функциями, хотя зачастую это необходимо сделать в кротчайшие сроки. Вместо того, чтобы сразу начать вычислять на главном экране калькулятора, пользователь вынужден искать другой вид калькулятора или разбираться в настройках, чтобы появилась возможность взаимодействия с тригонометрическими функциями. Во время усердной работы не хотелось бы делать лишних действий в условиях временных ограничений. Поэтому необходимо реализовать такой калькулятор, в котором пользователь сможет, не теряя времени, производить вычисления как обычные, так и тригонометрические.</a:t>
-            </a:r>
-          </a:p>
-          <a:p>
-            <a:pPr marL="0" indent="0">
+            <a:endParaRPr lang="ru-RU" sz="1800" dirty="0" smtClean="0"/>
+          </a:p>
+          <a:p>
+            <a:pPr marL="0" indent="0" algn="ctr">
               <a:buNone/>
             </a:pPr>
             <a:r>
-              <a:rPr lang="ru-RU" sz="2300" dirty="0"/>
-              <a:t>Для того, чтобы реализовать наиболее эффективный, производительный и удобный калькулятор, необходимо использовать интерфейсы взаимодействия с операционной системой через системные библиотеки и </a:t>
-            </a:r>
-            <a:r>
-              <a:rPr lang="ru-RU" sz="2300" dirty="0" err="1"/>
-              <a:t>WinAPI</a:t>
-            </a:r>
-            <a:r>
-              <a:rPr lang="ru-RU" sz="2300" dirty="0"/>
-              <a:t> функции.</a:t>
-            </a:r>
-          </a:p>
-          <a:p>
-            <a:pPr marL="0" indent="0">
-              <a:buNone/>
-            </a:pPr>
+              <a:rPr lang="ru-RU" sz="1800" dirty="0" smtClean="0"/>
+              <a:t>Во </a:t>
+            </a:r>
+            <a:r>
+              <a:rPr lang="ru-RU" sz="1800" dirty="0"/>
+              <a:t>время усердной работы не хотелось бы делать лишних действий в условиях </a:t>
+            </a:r>
+            <a:r>
+              <a:rPr lang="ru-RU" sz="1800" dirty="0" smtClean="0"/>
+              <a:t>ограниченности по времени</a:t>
+            </a:r>
+            <a:endParaRPr lang="ru-RU" sz="1800" dirty="0"/>
+          </a:p>
+        </p:txBody>
+      </p:sp>
+      <p:sp>
+        <p:nvSpPr>
+          <p:cNvPr id="4" name="Номер слайда 3"/>
+          <p:cNvSpPr>
+            <a:spLocks noGrp="1"/>
+          </p:cNvSpPr>
+          <p:nvPr>
+            <p:ph type="sldNum" sz="quarter" idx="12"/>
+          </p:nvPr>
+        </p:nvSpPr>
+        <p:spPr/>
+        <p:txBody>
+          <a:bodyPr/>
+          <a:lstStyle/>
+          <a:p>
+            <a:fld id="{69E57DC2-970A-4B3E-BB1C-7A09969E49DF}" type="slidenum">
+              <a:rPr lang="en-US" smtClean="0"/>
+              <a:t>2</a:t>
+            </a:fld>
+            <a:endParaRPr lang="en-US" dirty="0"/>
+          </a:p>
+        </p:txBody>
+      </p:sp>
+      <p:sp>
+        <p:nvSpPr>
+          <p:cNvPr id="5" name="Прямоугольник 4"/>
+          <p:cNvSpPr/>
+          <p:nvPr/>
+        </p:nvSpPr>
+        <p:spPr>
+          <a:xfrm>
+            <a:off x="3692614" y="1228722"/>
+            <a:ext cx="4668228" cy="1532625"/>
+          </a:xfrm>
+          <a:prstGeom prst="rect">
+            <a:avLst/>
+          </a:prstGeom>
+        </p:spPr>
+        <p:style>
+          <a:lnRef idx="2">
+            <a:schemeClr val="accent6"/>
+          </a:lnRef>
+          <a:fillRef idx="1">
+            <a:schemeClr val="lt1"/>
+          </a:fillRef>
+          <a:effectRef idx="0">
+            <a:schemeClr val="accent6"/>
+          </a:effectRef>
+          <a:fontRef idx="minor">
+            <a:schemeClr val="dk1"/>
+          </a:fontRef>
+        </p:style>
+        <p:txBody>
+          <a:bodyPr rtlCol="0" anchor="ctr"/>
+          <a:lstStyle/>
+          <a:p>
+            <a:pPr algn="ctr"/>
+            <a:r>
+              <a:rPr lang="ru-RU" dirty="0"/>
+              <a:t>В большинстве видов </a:t>
+            </a:r>
+            <a:r>
+              <a:rPr lang="ru-RU" dirty="0" smtClean="0"/>
+              <a:t>калькуляторов невозможно вычислять тригонометрические функции</a:t>
+            </a:r>
+            <a:r>
+              <a:rPr lang="en-US" dirty="0" smtClean="0"/>
+              <a:t> </a:t>
+            </a:r>
+            <a:r>
+              <a:rPr lang="ru-RU" dirty="0" smtClean="0"/>
+              <a:t>быстро и удобно</a:t>
+            </a:r>
+            <a:endParaRPr lang="ru-RU" dirty="0"/>
+          </a:p>
+        </p:txBody>
+      </p:sp>
+      <p:sp>
+        <p:nvSpPr>
+          <p:cNvPr id="6" name="Прямоугольник 5"/>
+          <p:cNvSpPr/>
+          <p:nvPr/>
+        </p:nvSpPr>
+        <p:spPr>
+          <a:xfrm>
+            <a:off x="3692614" y="3117861"/>
+            <a:ext cx="4668228" cy="1648693"/>
+          </a:xfrm>
+          <a:prstGeom prst="rect">
+            <a:avLst/>
+          </a:prstGeom>
+        </p:spPr>
+        <p:style>
+          <a:lnRef idx="2">
+            <a:schemeClr val="accent6"/>
+          </a:lnRef>
+          <a:fillRef idx="1">
+            <a:schemeClr val="lt1"/>
+          </a:fillRef>
+          <a:effectRef idx="0">
+            <a:schemeClr val="accent6"/>
+          </a:effectRef>
+          <a:fontRef idx="minor">
+            <a:schemeClr val="dk1"/>
+          </a:fontRef>
+        </p:style>
+        <p:txBody>
+          <a:bodyPr rtlCol="0" anchor="ctr"/>
+          <a:lstStyle/>
+          <a:p>
+            <a:pPr algn="ctr"/>
+            <a:r>
+              <a:rPr lang="ru-RU" dirty="0"/>
+              <a:t>Вместо </a:t>
+            </a:r>
+            <a:r>
+              <a:rPr lang="ru-RU" dirty="0" smtClean="0"/>
+              <a:t>вычислений, нужно </a:t>
+            </a:r>
+            <a:r>
+              <a:rPr lang="ru-RU" dirty="0"/>
+              <a:t>искать другой вид калькулятора или разбираться в </a:t>
+            </a:r>
+            <a:r>
+              <a:rPr lang="ru-RU" dirty="0" smtClean="0"/>
+              <a:t>настройках</a:t>
+            </a:r>
             <a:endParaRPr lang="ru-RU" dirty="0"/>
           </a:p>
         </p:txBody>
@@ -4637,6 +5126,13 @@
   <p:clrMapOvr>
     <a:masterClrMapping/>
   </p:clrMapOvr>
+  <p:timing>
+    <p:tnLst>
+      <p:par>
+        <p:cTn id="1" dur="indefinite" restart="never" nodeType="tmRoot"/>
+      </p:par>
+    </p:tnLst>
+  </p:timing>
 </p:sld>
 </file>
 
@@ -4873,6 +5369,29 @@
           </a:p>
         </p:txBody>
       </p:sp>
+      <p:sp>
+        <p:nvSpPr>
+          <p:cNvPr id="6" name="Номер слайда 5"/>
+          <p:cNvSpPr>
+            <a:spLocks noGrp="1"/>
+          </p:cNvSpPr>
+          <p:nvPr>
+            <p:ph type="sldNum" sz="quarter" idx="12"/>
+          </p:nvPr>
+        </p:nvSpPr>
+        <p:spPr/>
+        <p:txBody>
+          <a:bodyPr/>
+          <a:lstStyle/>
+          <a:p>
+            <a:fld id="{69E57DC2-970A-4B3E-BB1C-7A09969E49DF}" type="slidenum">
+              <a:rPr lang="en-US" smtClean="0"/>
+              <a:t>3</a:t>
+            </a:fld>
+            <a:endParaRPr lang="en-US" dirty="0"/>
+          </a:p>
+        </p:txBody>
+      </p:sp>
     </p:spTree>
     <p:extLst>
       <p:ext uri="{BB962C8B-B14F-4D97-AF65-F5344CB8AC3E}">
@@ -4883,6 +5402,13 @@
   <p:clrMapOvr>
     <a:masterClrMapping/>
   </p:clrMapOvr>
+  <p:timing>
+    <p:tnLst>
+      <p:par>
+        <p:cTn id="1" dur="indefinite" restart="never" nodeType="tmRoot"/>
+      </p:par>
+    </p:tnLst>
+  </p:timing>
 </p:sld>
 </file>
 
@@ -4918,6 +5444,7 @@
           <a:bodyPr/>
           <a:lstStyle/>
           <a:p>
+            <a:pPr algn="ctr"/>
             <a:r>
               <a:rPr lang="ru-RU" dirty="0" smtClean="0"/>
               <a:t>Описание предметной области</a:t>
@@ -4938,39 +5465,56 @@
         </p:nvSpPr>
         <p:spPr>
           <a:xfrm>
-            <a:off x="1371600" y="1941443"/>
-            <a:ext cx="9601200" cy="3581400"/>
+            <a:off x="1537101" y="2412497"/>
+            <a:ext cx="9601200" cy="2104084"/>
           </a:xfrm>
         </p:spPr>
         <p:txBody>
           <a:bodyPr/>
           <a:lstStyle/>
           <a:p>
-            <a:pPr algn="just"/>
-            <a:r>
-              <a:rPr lang="ru-RU" dirty="0" smtClean="0"/>
+            <a:pPr marL="0" indent="0" algn="ctr">
+              <a:buNone/>
+            </a:pPr>
+            <a:r>
+              <a:rPr lang="ru-RU" sz="2500" dirty="0" smtClean="0"/>
               <a:t>Предметной </a:t>
             </a:r>
             <a:r>
-              <a:rPr lang="ru-RU" dirty="0"/>
+              <a:rPr lang="ru-RU" sz="2500" dirty="0"/>
               <a:t>областью является прикладное программное приложение, </a:t>
             </a:r>
             <a:r>
-              <a:rPr lang="ru-RU" dirty="0" smtClean="0"/>
+              <a:rPr lang="ru-RU" sz="2500" dirty="0" smtClean="0"/>
               <a:t>осуществляющее вычисление арифметических и тригонометрических выражений, задача которого обеспечить быстрое и удобное взаимодействие с пользовательским интерфейсом. </a:t>
             </a:r>
-            <a:r>
-              <a:rPr lang="ru-RU" dirty="0"/>
-              <a:t>Пользователь приложения </a:t>
-            </a:r>
-            <a:r>
-              <a:rPr lang="ru-RU" dirty="0" smtClean="0"/>
-              <a:t>может вводить данные как с клавиатуры, так и с помощью мыши, а также переключать режимы работы калькулятора. </a:t>
-            </a:r>
+            <a:endParaRPr lang="ru-RU" sz="2500" dirty="0"/>
+          </a:p>
+          <a:p>
             <a:endParaRPr lang="ru-RU" dirty="0"/>
           </a:p>
-          <a:p>
-            <a:endParaRPr lang="ru-RU" dirty="0"/>
+        </p:txBody>
+      </p:sp>
+      <p:sp>
+        <p:nvSpPr>
+          <p:cNvPr id="4" name="Номер слайда 3"/>
+          <p:cNvSpPr>
+            <a:spLocks noGrp="1"/>
+          </p:cNvSpPr>
+          <p:nvPr>
+            <p:ph type="sldNum" sz="quarter" idx="12"/>
+          </p:nvPr>
+        </p:nvSpPr>
+        <p:spPr/>
+        <p:txBody>
+          <a:bodyPr/>
+          <a:lstStyle/>
+          <a:p>
+            <a:fld id="{69E57DC2-970A-4B3E-BB1C-7A09969E49DF}" type="slidenum">
+              <a:rPr lang="en-US" smtClean="0"/>
+              <a:t>4</a:t>
+            </a:fld>
+            <a:endParaRPr lang="en-US" dirty="0"/>
           </a:p>
         </p:txBody>
       </p:sp>
@@ -4984,6 +5528,13 @@
   <p:clrMapOvr>
     <a:masterClrMapping/>
   </p:clrMapOvr>
+  <p:timing>
+    <p:tnLst>
+      <p:par>
+        <p:cTn id="1" dur="indefinite" restart="never" nodeType="tmRoot"/>
+      </p:par>
+    </p:tnLst>
+  </p:timing>
 </p:sld>
 </file>
 
@@ -5055,9 +5606,32 @@
           </a:p>
         </p:txBody>
       </p:sp>
+      <p:sp>
+        <p:nvSpPr>
+          <p:cNvPr id="3" name="Номер слайда 2"/>
+          <p:cNvSpPr>
+            <a:spLocks noGrp="1"/>
+          </p:cNvSpPr>
+          <p:nvPr>
+            <p:ph type="sldNum" sz="quarter" idx="12"/>
+          </p:nvPr>
+        </p:nvSpPr>
+        <p:spPr/>
+        <p:txBody>
+          <a:bodyPr/>
+          <a:lstStyle/>
+          <a:p>
+            <a:fld id="{69E57DC2-970A-4B3E-BB1C-7A09969E49DF}" type="slidenum">
+              <a:rPr lang="en-US" smtClean="0"/>
+              <a:t>5</a:t>
+            </a:fld>
+            <a:endParaRPr lang="en-US" dirty="0"/>
+          </a:p>
+        </p:txBody>
+      </p:sp>
       <p:pic>
         <p:nvPicPr>
-          <p:cNvPr id="7" name="Объект 3"/>
+          <p:cNvPr id="4" name="Рисунок 3"/>
           <p:cNvPicPr>
             <a:picLocks noChangeAspect="1"/>
           </p:cNvPicPr>
@@ -5071,8 +5645,8 @@
         </p:blipFill>
         <p:spPr>
           <a:xfrm>
-            <a:off x="7109813" y="2286000"/>
-            <a:ext cx="4273804" cy="3581400"/>
+            <a:off x="7560120" y="1215736"/>
+            <a:ext cx="3010898" cy="4937872"/>
           </a:xfrm>
           <a:prstGeom prst="rect">
             <a:avLst/>
@@ -5089,6 +5663,13 @@
   <p:clrMapOvr>
     <a:masterClrMapping/>
   </p:clrMapOvr>
+  <p:timing>
+    <p:tnLst>
+      <p:par>
+        <p:cTn id="1" dur="indefinite" restart="never" nodeType="tmRoot"/>
+      </p:par>
+    </p:tnLst>
+  </p:timing>
 </p:sld>
 </file>
 
@@ -5160,12 +5741,12 @@
       </p:pic>
       <p:sp>
         <p:nvSpPr>
-          <p:cNvPr id="4" name="Текст 3"/>
-          <p:cNvSpPr>
-            <a:spLocks noGrp="1"/>
-          </p:cNvSpPr>
-          <p:nvPr>
-            <p:ph type="body" sz="half" idx="2"/>
+          <p:cNvPr id="3" name="Номер слайда 2"/>
+          <p:cNvSpPr>
+            <a:spLocks noGrp="1"/>
+          </p:cNvSpPr>
+          <p:nvPr>
+            <p:ph type="sldNum" sz="quarter" idx="12"/>
           </p:nvPr>
         </p:nvSpPr>
         <p:spPr/>
@@ -5173,7 +5754,12 @@
           <a:bodyPr/>
           <a:lstStyle/>
           <a:p>
-            <a:endParaRPr lang="ru-RU"/>
+            <a:fld id="{69E57DC2-970A-4B3E-BB1C-7A09969E49DF}" type="slidenum">
+              <a:rPr lang="en-US" smtClean="0"/>
+              <a:pPr/>
+              <a:t>6</a:t>
+            </a:fld>
+            <a:endParaRPr lang="en-US" dirty="0"/>
           </a:p>
         </p:txBody>
       </p:sp>
@@ -5187,6 +5773,13 @@
   <p:clrMapOvr>
     <a:masterClrMapping/>
   </p:clrMapOvr>
+  <p:timing>
+    <p:tnLst>
+      <p:par>
+        <p:cTn id="1" dur="indefinite" restart="never" nodeType="tmRoot"/>
+      </p:par>
+    </p:tnLst>
+  </p:timing>
 </p:sld>
 </file>
 
@@ -5219,246 +5812,364 @@
         </p:nvSpPr>
         <p:spPr>
           <a:xfrm>
-            <a:off x="1371600" y="685800"/>
-            <a:ext cx="9601200" cy="917713"/>
-          </a:xfrm>
-        </p:spPr>
+            <a:off x="1371600" y="131618"/>
+            <a:ext cx="9601200" cy="796636"/>
+          </a:xfrm>
+        </p:spPr>
+        <p:txBody>
+          <a:bodyPr>
+            <a:normAutofit fontScale="90000"/>
+          </a:bodyPr>
+          <a:lstStyle/>
+          <a:p>
+            <a:pPr algn="ctr"/>
+            <a:r>
+              <a:rPr lang="ru-RU" dirty="0" smtClean="0"/>
+              <a:t>Основные использованные функции </a:t>
+            </a:r>
+            <a:r>
+              <a:rPr lang="en-US" dirty="0" smtClean="0"/>
+              <a:t>Windows API</a:t>
+            </a:r>
+            <a:endParaRPr lang="ru-RU" dirty="0"/>
+          </a:p>
+        </p:txBody>
+      </p:sp>
+      <p:sp>
+        <p:nvSpPr>
+          <p:cNvPr id="4" name="Номер слайда 3"/>
+          <p:cNvSpPr>
+            <a:spLocks noGrp="1"/>
+          </p:cNvSpPr>
+          <p:nvPr>
+            <p:ph type="sldNum" sz="quarter" idx="12"/>
+          </p:nvPr>
+        </p:nvSpPr>
+        <p:spPr/>
         <p:txBody>
           <a:bodyPr/>
           <a:lstStyle/>
           <a:p>
-            <a:r>
-              <a:rPr lang="ru-RU" dirty="0" smtClean="0"/>
-              <a:t>Ограничения и технологии</a:t>
-            </a:r>
-            <a:endParaRPr lang="ru-RU" dirty="0"/>
-          </a:p>
-        </p:txBody>
-      </p:sp>
-      <p:sp>
-        <p:nvSpPr>
-          <p:cNvPr id="3" name="Объект 2"/>
-          <p:cNvSpPr>
-            <a:spLocks noGrp="1"/>
-          </p:cNvSpPr>
-          <p:nvPr>
-            <p:ph idx="1"/>
-          </p:nvPr>
-        </p:nvSpPr>
-        <p:spPr>
-          <a:xfrm>
-            <a:off x="1371600" y="1603513"/>
-            <a:ext cx="9601200" cy="4263887"/>
-          </a:xfrm>
-        </p:spPr>
-        <p:txBody>
-          <a:bodyPr/>
-          <a:lstStyle/>
-          <a:p>
-            <a:pPr marL="0" indent="0" algn="ctr">
-              <a:buNone/>
-            </a:pPr>
-            <a:r>
-              <a:rPr lang="ru-RU" dirty="0" smtClean="0"/>
-              <a:t>Технологии:</a:t>
-            </a:r>
-          </a:p>
-          <a:p>
-            <a:r>
-              <a:rPr lang="ru-RU" dirty="0"/>
-              <a:t>я</a:t>
-            </a:r>
-            <a:r>
-              <a:rPr lang="ru-RU" dirty="0" smtClean="0"/>
-              <a:t>зык программирования </a:t>
-            </a:r>
-            <a:r>
-              <a:rPr lang="en-US" dirty="0" smtClean="0"/>
-              <a:t>C/C++;</a:t>
-            </a:r>
-          </a:p>
-          <a:p>
-            <a:r>
-              <a:rPr lang="ru-RU" dirty="0"/>
-              <a:t>и</a:t>
-            </a:r>
-            <a:r>
-              <a:rPr lang="ru-RU" dirty="0" smtClean="0"/>
-              <a:t>спользование </a:t>
-            </a:r>
-            <a:r>
-              <a:rPr lang="en-US" dirty="0" smtClean="0"/>
-              <a:t>Windows API </a:t>
-            </a:r>
-            <a:r>
-              <a:rPr lang="ru-RU" dirty="0" smtClean="0"/>
-              <a:t>функций для реализации методов калькулятора;</a:t>
-            </a:r>
-          </a:p>
-          <a:p>
-            <a:r>
-              <a:rPr lang="ru-RU" dirty="0"/>
-              <a:t>с</a:t>
-            </a:r>
-            <a:r>
-              <a:rPr lang="ru-RU" dirty="0" smtClean="0"/>
-              <a:t>реда разработки </a:t>
-            </a:r>
-            <a:r>
-              <a:rPr lang="en-US" dirty="0" smtClean="0"/>
-              <a:t>Visual Studio 2019;</a:t>
-            </a:r>
-          </a:p>
-          <a:p>
-            <a:r>
-              <a:rPr lang="ru-RU" dirty="0"/>
-              <a:t>т</a:t>
-            </a:r>
-            <a:r>
-              <a:rPr lang="ru-RU" dirty="0" smtClean="0"/>
-              <a:t>ип приложения – оконное;</a:t>
-            </a:r>
-          </a:p>
-          <a:p>
-            <a:pPr marL="0" indent="0" algn="ctr">
-              <a:buNone/>
-            </a:pPr>
-            <a:r>
-              <a:rPr lang="ru-RU" dirty="0" smtClean="0"/>
-              <a:t>Ограничения:</a:t>
-            </a:r>
-          </a:p>
-          <a:p>
-            <a:pPr marL="0" indent="0">
-              <a:buNone/>
-            </a:pPr>
-            <a:r>
-              <a:rPr lang="ru-RU" dirty="0" smtClean="0"/>
-              <a:t>Входные данные:</a:t>
-            </a:r>
-          </a:p>
-          <a:p>
-            <a:r>
-              <a:rPr lang="ru-RU" dirty="0"/>
-              <a:t>ч</a:t>
-            </a:r>
-            <a:r>
-              <a:rPr lang="ru-RU" dirty="0" smtClean="0"/>
-              <a:t>исла (операнды или постоянные);</a:t>
-            </a:r>
-          </a:p>
-          <a:p>
-            <a:r>
-              <a:rPr lang="ru-RU" dirty="0" smtClean="0"/>
-              <a:t>тригонометрические функции;</a:t>
-            </a:r>
-            <a:endParaRPr lang="ru-RU" dirty="0"/>
-          </a:p>
-        </p:txBody>
-      </p:sp>
-      <p:sp>
-        <p:nvSpPr>
-          <p:cNvPr id="4" name="TextBox 3"/>
-          <p:cNvSpPr txBox="1"/>
+            <a:fld id="{69E57DC2-970A-4B3E-BB1C-7A09969E49DF}" type="slidenum">
+              <a:rPr lang="en-US" smtClean="0"/>
+              <a:t>7</a:t>
+            </a:fld>
+            <a:endParaRPr lang="en-US" dirty="0"/>
+          </a:p>
+        </p:txBody>
+      </p:sp>
+      <p:sp>
+        <p:nvSpPr>
+          <p:cNvPr id="5" name="Прямоугольник 4"/>
+          <p:cNvSpPr/>
           <p:nvPr/>
         </p:nvSpPr>
         <p:spPr>
           <a:xfrm>
-            <a:off x="7885041" y="4108173"/>
-            <a:ext cx="4214193" cy="2253759"/>
+            <a:off x="1011375" y="1240218"/>
+            <a:ext cx="10792695" cy="1814946"/>
           </a:xfrm>
           <a:prstGeom prst="rect">
             <a:avLst/>
           </a:prstGeom>
-          <a:noFill/>
-        </p:spPr>
-        <p:txBody>
-          <a:bodyPr wrap="square" rtlCol="0">
-            <a:spAutoFit/>
-          </a:bodyPr>
+        </p:spPr>
+        <p:style>
+          <a:lnRef idx="2">
+            <a:schemeClr val="accent6"/>
+          </a:lnRef>
+          <a:fillRef idx="1">
+            <a:schemeClr val="lt1"/>
+          </a:fillRef>
+          <a:effectRef idx="0">
+            <a:schemeClr val="accent6"/>
+          </a:effectRef>
+          <a:fontRef idx="minor">
+            <a:schemeClr val="dk1"/>
+          </a:fontRef>
+        </p:style>
+        <p:txBody>
+          <a:bodyPr rtlCol="0" anchor="ctr"/>
           <a:lstStyle/>
           <a:p>
-            <a:r>
-              <a:rPr lang="ru-RU" sz="2000" dirty="0" smtClean="0"/>
-              <a:t>Выходные данные:</a:t>
-            </a:r>
-          </a:p>
-          <a:p>
-            <a:pPr marL="384048" lvl="0" indent="-384048" defTabSz="914400">
-              <a:lnSpc>
-                <a:spcPct val="94000"/>
-              </a:lnSpc>
-              <a:spcBef>
-                <a:spcPts val="1000"/>
-              </a:spcBef>
-              <a:spcAft>
-                <a:spcPts val="200"/>
-              </a:spcAft>
-              <a:buFont typeface="Franklin Gothic Book" panose="020B0503020102020204" pitchFamily="34" charset="0"/>
-              <a:buChar char="■"/>
-            </a:pPr>
-            <a:r>
-              <a:rPr lang="ru-RU" sz="2000" dirty="0" smtClean="0">
-                <a:solidFill>
-                  <a:srgbClr val="191B0E"/>
-                </a:solidFill>
-              </a:rPr>
-              <a:t>вычисленные числовые значения входных данных;</a:t>
-            </a:r>
-          </a:p>
-          <a:p>
-            <a:pPr marL="384048" lvl="0" indent="-384048" defTabSz="914400">
-              <a:lnSpc>
-                <a:spcPct val="94000"/>
-              </a:lnSpc>
-              <a:spcBef>
-                <a:spcPts val="1000"/>
-              </a:spcBef>
-              <a:spcAft>
-                <a:spcPts val="200"/>
-              </a:spcAft>
-              <a:buFont typeface="Franklin Gothic Book" panose="020B0503020102020204" pitchFamily="34" charset="0"/>
-              <a:buChar char="■"/>
-            </a:pPr>
-            <a:r>
-              <a:rPr lang="ru-RU" sz="2000" dirty="0">
-                <a:solidFill>
-                  <a:srgbClr val="191B0E"/>
-                </a:solidFill>
-              </a:rPr>
-              <a:t>с</a:t>
-            </a:r>
-            <a:r>
-              <a:rPr lang="ru-RU" sz="2000" dirty="0" smtClean="0">
-                <a:solidFill>
-                  <a:srgbClr val="191B0E"/>
-                </a:solidFill>
-              </a:rPr>
-              <a:t>ообщение об ошибке при некорректном вводе.</a:t>
-            </a:r>
-          </a:p>
-          <a:p>
-            <a:pPr marL="384048" lvl="0" indent="-384048" defTabSz="914400">
-              <a:lnSpc>
-                <a:spcPct val="94000"/>
-              </a:lnSpc>
-              <a:spcBef>
-                <a:spcPts val="1000"/>
-              </a:spcBef>
-              <a:spcAft>
-                <a:spcPts val="200"/>
-              </a:spcAft>
-              <a:buFont typeface="Franklin Gothic Book" panose="020B0503020102020204" pitchFamily="34" charset="0"/>
-              <a:buChar char="■"/>
-            </a:pPr>
+            <a:pPr lvl="0"/>
+            <a:r>
+              <a:rPr lang="ru-RU" dirty="0" err="1" smtClean="0"/>
+              <a:t>GetMessage</a:t>
+            </a:r>
+            <a:r>
+              <a:rPr lang="ru-RU" dirty="0"/>
+              <a:t>(&amp;</a:t>
+            </a:r>
+            <a:r>
+              <a:rPr lang="ru-RU" dirty="0" err="1"/>
+              <a:t>msg</a:t>
+            </a:r>
+            <a:r>
+              <a:rPr lang="ru-RU" dirty="0"/>
+              <a:t>, NULL, 0, 0) - извлекает сообщение из очереди сообщений вызывающего потока и помещает его в заданную структуру:</a:t>
+            </a:r>
+          </a:p>
+          <a:p>
+            <a:pPr lvl="1"/>
+            <a:r>
+              <a:rPr lang="ru-RU" dirty="0" err="1"/>
+              <a:t>msg</a:t>
+            </a:r>
+            <a:r>
+              <a:rPr lang="ru-RU" dirty="0"/>
+              <a:t> - указатель на структуру MSG, которая принимает информацию из очереди сообщений потока,</a:t>
+            </a:r>
+          </a:p>
+          <a:p>
+            <a:pPr lvl="1"/>
+            <a:r>
+              <a:rPr lang="en-US" dirty="0"/>
+              <a:t>NULL </a:t>
+            </a:r>
+            <a:r>
+              <a:rPr lang="ru-RU" dirty="0"/>
+              <a:t>– дескриптор окна,</a:t>
+            </a:r>
+          </a:p>
+          <a:p>
+            <a:pPr lvl="1"/>
+            <a:r>
+              <a:rPr lang="ru-RU" dirty="0"/>
+              <a:t>Обе величины нулевые, следовательно, функция </a:t>
+            </a:r>
+            <a:r>
+              <a:rPr lang="ru-RU" dirty="0" err="1"/>
+              <a:t>GetMessage</a:t>
+            </a:r>
+            <a:r>
+              <a:rPr lang="ru-RU" dirty="0"/>
+              <a:t> возвращает все доступные сообщения (то есть никакой фильтрации в диапазоне значений не выполняется).</a:t>
+            </a:r>
+          </a:p>
+        </p:txBody>
+      </p:sp>
+      <p:sp>
+        <p:nvSpPr>
+          <p:cNvPr id="8" name="Прямоугольник 7"/>
+          <p:cNvSpPr/>
+          <p:nvPr/>
+        </p:nvSpPr>
+        <p:spPr>
+          <a:xfrm>
+            <a:off x="2625433" y="3160490"/>
+            <a:ext cx="7564583" cy="1814946"/>
+          </a:xfrm>
+          <a:prstGeom prst="rect">
+            <a:avLst/>
+          </a:prstGeom>
+        </p:spPr>
+        <p:style>
+          <a:lnRef idx="2">
+            <a:schemeClr val="accent6"/>
+          </a:lnRef>
+          <a:fillRef idx="1">
+            <a:schemeClr val="lt1"/>
+          </a:fillRef>
+          <a:effectRef idx="0">
+            <a:schemeClr val="accent6"/>
+          </a:effectRef>
+          <a:fontRef idx="minor">
+            <a:schemeClr val="dk1"/>
+          </a:fontRef>
+        </p:style>
+        <p:txBody>
+          <a:bodyPr rtlCol="0" anchor="ctr"/>
+          <a:lstStyle/>
+          <a:p>
+            <a:pPr lvl="0"/>
+            <a:r>
+              <a:rPr lang="ru-RU" dirty="0" err="1" smtClean="0"/>
+              <a:t>GetWindowText</a:t>
+            </a:r>
+            <a:r>
+              <a:rPr lang="ru-RU" dirty="0" smtClean="0"/>
+              <a:t>(</a:t>
+            </a:r>
+            <a:r>
+              <a:rPr lang="ru-RU" dirty="0" err="1" smtClean="0"/>
+              <a:t>hEdit</a:t>
+            </a:r>
+            <a:r>
+              <a:rPr lang="ru-RU" dirty="0"/>
+              <a:t>, </a:t>
+            </a:r>
+            <a:r>
+              <a:rPr lang="ru-RU" dirty="0" err="1"/>
+              <a:t>buf</a:t>
+            </a:r>
+            <a:r>
+              <a:rPr lang="ru-RU" dirty="0"/>
+              <a:t>, </a:t>
+            </a:r>
+            <a:r>
+              <a:rPr lang="ru-RU" dirty="0" err="1"/>
+              <a:t>sizeof</a:t>
+            </a:r>
+            <a:r>
+              <a:rPr lang="ru-RU" dirty="0"/>
+              <a:t>(</a:t>
+            </a:r>
+            <a:r>
+              <a:rPr lang="ru-RU" dirty="0" err="1"/>
+              <a:t>buf</a:t>
+            </a:r>
+            <a:r>
+              <a:rPr lang="ru-RU" dirty="0"/>
+              <a:t>)) - копирует текст окна в буфер:</a:t>
+            </a:r>
+          </a:p>
+          <a:p>
+            <a:pPr lvl="1"/>
+            <a:r>
+              <a:rPr lang="ru-RU" dirty="0" err="1"/>
+              <a:t>hEdit</a:t>
+            </a:r>
+            <a:r>
+              <a:rPr lang="ru-RU" dirty="0"/>
+              <a:t> - дескриптор окна управления с текстом (окно ввода-вывода);</a:t>
+            </a:r>
+          </a:p>
+          <a:p>
+            <a:pPr lvl="1"/>
+            <a:r>
+              <a:rPr lang="ru-RU" dirty="0" err="1"/>
+              <a:t>buf</a:t>
+            </a:r>
+            <a:r>
+              <a:rPr lang="ru-RU" dirty="0"/>
+              <a:t> - адрес буфера для текста;</a:t>
+            </a:r>
+          </a:p>
+          <a:p>
+            <a:r>
+              <a:rPr lang="ru-RU" dirty="0" smtClean="0"/>
+              <a:t>	</a:t>
+            </a:r>
+            <a:r>
+              <a:rPr lang="ru-RU" dirty="0" err="1" smtClean="0"/>
+              <a:t>sizeof</a:t>
+            </a:r>
+            <a:r>
+              <a:rPr lang="ru-RU" dirty="0" smtClean="0"/>
+              <a:t>(</a:t>
+            </a:r>
+            <a:r>
+              <a:rPr lang="ru-RU" dirty="0" err="1" smtClean="0"/>
+              <a:t>buf</a:t>
+            </a:r>
+            <a:r>
+              <a:rPr lang="ru-RU" dirty="0"/>
+              <a:t>) - максимальное число символов для копирования;</a:t>
+            </a:r>
             <a:endParaRPr lang="ru-RU" dirty="0"/>
+          </a:p>
+        </p:txBody>
+      </p:sp>
+      <p:sp>
+        <p:nvSpPr>
+          <p:cNvPr id="10" name="Прямоугольник 9"/>
+          <p:cNvSpPr/>
+          <p:nvPr/>
+        </p:nvSpPr>
+        <p:spPr>
+          <a:xfrm>
+            <a:off x="3164179" y="5080762"/>
+            <a:ext cx="6487085" cy="1603033"/>
+          </a:xfrm>
+          <a:prstGeom prst="rect">
+            <a:avLst/>
+          </a:prstGeom>
+        </p:spPr>
+        <p:style>
+          <a:lnRef idx="2">
+            <a:schemeClr val="accent6"/>
+          </a:lnRef>
+          <a:fillRef idx="1">
+            <a:schemeClr val="lt1"/>
+          </a:fillRef>
+          <a:effectRef idx="0">
+            <a:schemeClr val="accent6"/>
+          </a:effectRef>
+          <a:fontRef idx="minor">
+            <a:schemeClr val="dk1"/>
+          </a:fontRef>
+        </p:style>
+        <p:txBody>
+          <a:bodyPr rtlCol="0" anchor="ctr"/>
+          <a:lstStyle/>
+          <a:p>
+            <a:pPr lvl="0"/>
+            <a:r>
+              <a:rPr lang="en-US" dirty="0" err="1" smtClean="0"/>
+              <a:t>SetWindowText</a:t>
+            </a:r>
+            <a:r>
+              <a:rPr lang="en-US" dirty="0" smtClean="0"/>
+              <a:t>(</a:t>
+            </a:r>
+            <a:r>
+              <a:rPr lang="en-US" dirty="0" err="1" smtClean="0"/>
+              <a:t>hEdit</a:t>
+            </a:r>
+            <a:r>
+              <a:rPr lang="en-US" dirty="0"/>
+              <a:t>, </a:t>
+            </a:r>
+            <a:r>
+              <a:rPr lang="en-US" dirty="0" err="1"/>
+              <a:t>buf</a:t>
+            </a:r>
+            <a:r>
+              <a:rPr lang="en-US" dirty="0"/>
+              <a:t>) - </a:t>
+            </a:r>
+            <a:r>
+              <a:rPr lang="ru-RU" dirty="0"/>
+              <a:t>изменяет текст окна</a:t>
+            </a:r>
+            <a:r>
+              <a:rPr lang="en-US" dirty="0"/>
+              <a:t>:</a:t>
+            </a:r>
+            <a:endParaRPr lang="ru-RU" dirty="0"/>
+          </a:p>
+          <a:p>
+            <a:pPr lvl="1"/>
+            <a:r>
+              <a:rPr lang="en-US" dirty="0" err="1"/>
+              <a:t>hEdit</a:t>
+            </a:r>
+            <a:r>
+              <a:rPr lang="ru-RU" dirty="0"/>
+              <a:t> - дескриптор окна, текст которого должен быть изменен (окно ввода-вывода);</a:t>
+            </a:r>
+          </a:p>
+          <a:p>
+            <a:pPr lvl="1"/>
+            <a:r>
+              <a:rPr lang="en-US" dirty="0" err="1"/>
+              <a:t>buf</a:t>
+            </a:r>
+            <a:r>
+              <a:rPr lang="en-US" dirty="0"/>
+              <a:t> </a:t>
+            </a:r>
+            <a:r>
+              <a:rPr lang="ru-RU" dirty="0"/>
+              <a:t>– адрес буфера для текста.</a:t>
+            </a:r>
           </a:p>
         </p:txBody>
       </p:sp>
     </p:spTree>
     <p:extLst>
       <p:ext uri="{BB962C8B-B14F-4D97-AF65-F5344CB8AC3E}">
-        <p14:creationId xmlns:p14="http://schemas.microsoft.com/office/powerpoint/2010/main" val="2439157973"/>
+        <p14:creationId xmlns:p14="http://schemas.microsoft.com/office/powerpoint/2010/main" val="2026800750"/>
       </p:ext>
     </p:extLst>
   </p:cSld>
@@ -5497,77 +6208,318 @@
         </p:nvSpPr>
         <p:spPr>
           <a:xfrm>
-            <a:off x="1252330" y="0"/>
-            <a:ext cx="9601200" cy="626165"/>
+            <a:off x="1371600" y="685800"/>
+            <a:ext cx="9601200" cy="917713"/>
+          </a:xfrm>
+        </p:spPr>
+        <p:txBody>
+          <a:bodyPr/>
+          <a:lstStyle/>
+          <a:p>
+            <a:r>
+              <a:rPr lang="ru-RU" dirty="0" smtClean="0"/>
+              <a:t>Ограничения и технологии</a:t>
+            </a:r>
+            <a:endParaRPr lang="ru-RU" dirty="0"/>
+          </a:p>
+        </p:txBody>
+      </p:sp>
+      <p:sp>
+        <p:nvSpPr>
+          <p:cNvPr id="3" name="Объект 2"/>
+          <p:cNvSpPr>
+            <a:spLocks noGrp="1"/>
+          </p:cNvSpPr>
+          <p:nvPr>
+            <p:ph idx="1"/>
+          </p:nvPr>
+        </p:nvSpPr>
+        <p:spPr>
+          <a:xfrm>
+            <a:off x="1371600" y="1603513"/>
+            <a:ext cx="9060873" cy="4263887"/>
           </a:xfrm>
         </p:spPr>
         <p:txBody>
           <a:bodyPr>
-            <a:normAutofit fontScale="90000"/>
+            <a:normAutofit fontScale="92500" lnSpcReduction="20000"/>
           </a:bodyPr>
           <a:lstStyle/>
           <a:p>
+            <a:pPr marL="0" indent="0" algn="ctr">
+              <a:buNone/>
+            </a:pPr>
             <a:r>
               <a:rPr lang="ru-RU" dirty="0" smtClean="0"/>
-              <a:t>Диаграмма использования</a:t>
-            </a:r>
-            <a:endParaRPr lang="ru-RU" dirty="0"/>
-          </a:p>
-        </p:txBody>
-      </p:sp>
-      <p:sp>
-        <p:nvSpPr>
-          <p:cNvPr id="5" name="Объект 4"/>
-          <p:cNvSpPr>
-            <a:spLocks noGrp="1"/>
-          </p:cNvSpPr>
-          <p:nvPr>
-            <p:ph idx="1"/>
-          </p:nvPr>
-        </p:nvSpPr>
-        <p:spPr/>
-        <p:txBody>
-          <a:bodyPr/>
-          <a:lstStyle/>
-          <a:p>
-            <a:endParaRPr lang="ru-RU"/>
-          </a:p>
-        </p:txBody>
-      </p:sp>
-      <p:pic>
-        <p:nvPicPr>
-          <p:cNvPr id="6" name="Рисунок 5"/>
-          <p:cNvPicPr>
-            <a:picLocks noChangeAspect="1"/>
-          </p:cNvPicPr>
+              <a:t>Технологии:</a:t>
+            </a:r>
+          </a:p>
+          <a:p>
+            <a:r>
+              <a:rPr lang="ru-RU" dirty="0"/>
+              <a:t>я</a:t>
+            </a:r>
+            <a:r>
+              <a:rPr lang="ru-RU" dirty="0" smtClean="0"/>
+              <a:t>зык программирования </a:t>
+            </a:r>
+            <a:r>
+              <a:rPr lang="en-US" dirty="0" smtClean="0"/>
+              <a:t>C/C++;</a:t>
+            </a:r>
+          </a:p>
+          <a:p>
+            <a:r>
+              <a:rPr lang="ru-RU" dirty="0"/>
+              <a:t>и</a:t>
+            </a:r>
+            <a:r>
+              <a:rPr lang="ru-RU" dirty="0" smtClean="0"/>
+              <a:t>спользование </a:t>
+            </a:r>
+            <a:r>
+              <a:rPr lang="en-US" dirty="0" smtClean="0"/>
+              <a:t>Windows API </a:t>
+            </a:r>
+            <a:r>
+              <a:rPr lang="ru-RU" dirty="0" smtClean="0"/>
+              <a:t>функций для реализации методов калькулятора;</a:t>
+            </a:r>
+          </a:p>
+          <a:p>
+            <a:r>
+              <a:rPr lang="ru-RU" dirty="0"/>
+              <a:t>с</a:t>
+            </a:r>
+            <a:r>
+              <a:rPr lang="ru-RU" dirty="0" smtClean="0"/>
+              <a:t>реда разработки </a:t>
+            </a:r>
+            <a:r>
+              <a:rPr lang="en-US" dirty="0" smtClean="0"/>
+              <a:t>Visual Studio 2019;</a:t>
+            </a:r>
+          </a:p>
+          <a:p>
+            <a:r>
+              <a:rPr lang="ru-RU" dirty="0"/>
+              <a:t>т</a:t>
+            </a:r>
+            <a:r>
+              <a:rPr lang="ru-RU" dirty="0" smtClean="0"/>
+              <a:t>ип приложения – оконное;</a:t>
+            </a:r>
+          </a:p>
+          <a:p>
+            <a:pPr marL="0" indent="0" algn="ctr">
+              <a:buNone/>
+            </a:pPr>
+            <a:r>
+              <a:rPr lang="ru-RU" dirty="0" smtClean="0"/>
+              <a:t>Ограничения:</a:t>
+            </a:r>
+          </a:p>
+          <a:p>
+            <a:pPr marL="0" indent="0">
+              <a:buNone/>
+            </a:pPr>
+            <a:r>
+              <a:rPr lang="ru-RU" dirty="0" smtClean="0"/>
+              <a:t>Входные данные:</a:t>
+            </a:r>
+          </a:p>
+          <a:p>
+            <a:pPr lvl="0"/>
+            <a:r>
+              <a:rPr lang="ru-RU" dirty="0"/>
+              <a:t>арифметические </a:t>
+            </a:r>
+            <a:r>
+              <a:rPr lang="ru-RU" dirty="0" smtClean="0"/>
+              <a:t>выражения</a:t>
+            </a:r>
+          </a:p>
+          <a:p>
+            <a:pPr marL="0" lvl="0" indent="0">
+              <a:buNone/>
+            </a:pPr>
+            <a:r>
+              <a:rPr lang="ru-RU" dirty="0" smtClean="0"/>
+              <a:t>      в </a:t>
+            </a:r>
+            <a:r>
+              <a:rPr lang="ru-RU" dirty="0"/>
+              <a:t>текстовом формате;</a:t>
+            </a:r>
+          </a:p>
+          <a:p>
+            <a:r>
+              <a:rPr lang="ru-RU" dirty="0"/>
+              <a:t>тригонометрические </a:t>
+            </a:r>
+            <a:r>
+              <a:rPr lang="ru-RU" dirty="0" smtClean="0"/>
+              <a:t>выражения</a:t>
+            </a:r>
+          </a:p>
+          <a:p>
+            <a:pPr marL="0" indent="0">
+              <a:buNone/>
+            </a:pPr>
+            <a:r>
+              <a:rPr lang="ru-RU" dirty="0"/>
+              <a:t> </a:t>
+            </a:r>
+            <a:r>
+              <a:rPr lang="ru-RU" dirty="0" smtClean="0"/>
+              <a:t>     </a:t>
+            </a:r>
+            <a:r>
+              <a:rPr lang="ru-RU" dirty="0"/>
+              <a:t>в текстовом формате.</a:t>
+            </a:r>
+          </a:p>
+        </p:txBody>
+      </p:sp>
+      <p:sp>
+        <p:nvSpPr>
+          <p:cNvPr id="4" name="TextBox 3"/>
+          <p:cNvSpPr txBox="1"/>
           <p:nvPr/>
-        </p:nvPicPr>
-        <p:blipFill>
-          <a:blip r:embed="rId2"/>
-          <a:stretch>
-            <a:fillRect/>
-          </a:stretch>
-        </p:blipFill>
-        <p:spPr>
-          <a:xfrm>
-            <a:off x="790923" y="795129"/>
-            <a:ext cx="11295059" cy="5857461"/>
+        </p:nvSpPr>
+        <p:spPr>
+          <a:xfrm>
+            <a:off x="7704932" y="3735456"/>
+            <a:ext cx="4214193" cy="2253759"/>
           </a:xfrm>
           <a:prstGeom prst="rect">
             <a:avLst/>
           </a:prstGeom>
-        </p:spPr>
-      </p:pic>
+          <a:noFill/>
+        </p:spPr>
+        <p:txBody>
+          <a:bodyPr wrap="square" rtlCol="0">
+            <a:spAutoFit/>
+          </a:bodyPr>
+          <a:lstStyle/>
+          <a:p>
+            <a:r>
+              <a:rPr lang="ru-RU" sz="2000" dirty="0" smtClean="0"/>
+              <a:t>Выходные данные:</a:t>
+            </a:r>
+          </a:p>
+          <a:p>
+            <a:pPr marL="384048" lvl="0" indent="-384048" defTabSz="914400">
+              <a:lnSpc>
+                <a:spcPct val="94000"/>
+              </a:lnSpc>
+              <a:spcBef>
+                <a:spcPts val="1000"/>
+              </a:spcBef>
+              <a:spcAft>
+                <a:spcPts val="200"/>
+              </a:spcAft>
+              <a:buFont typeface="Franklin Gothic Book" panose="020B0503020102020204" pitchFamily="34" charset="0"/>
+              <a:buChar char="■"/>
+            </a:pPr>
+            <a:r>
+              <a:rPr lang="ru-RU" sz="2000" dirty="0" smtClean="0">
+                <a:solidFill>
+                  <a:srgbClr val="191B0E"/>
+                </a:solidFill>
+              </a:rPr>
+              <a:t>вычисленные числовые значения входных данных;</a:t>
+            </a:r>
+          </a:p>
+          <a:p>
+            <a:pPr marL="384048" lvl="0" indent="-384048" defTabSz="914400">
+              <a:lnSpc>
+                <a:spcPct val="94000"/>
+              </a:lnSpc>
+              <a:spcBef>
+                <a:spcPts val="1000"/>
+              </a:spcBef>
+              <a:spcAft>
+                <a:spcPts val="200"/>
+              </a:spcAft>
+              <a:buFont typeface="Franklin Gothic Book" panose="020B0503020102020204" pitchFamily="34" charset="0"/>
+              <a:buChar char="■"/>
+            </a:pPr>
+            <a:r>
+              <a:rPr lang="ru-RU" sz="2000" dirty="0">
+                <a:solidFill>
+                  <a:srgbClr val="191B0E"/>
+                </a:solidFill>
+              </a:rPr>
+              <a:t>с</a:t>
+            </a:r>
+            <a:r>
+              <a:rPr lang="ru-RU" sz="2000" dirty="0" smtClean="0">
+                <a:solidFill>
+                  <a:srgbClr val="191B0E"/>
+                </a:solidFill>
+              </a:rPr>
+              <a:t>ообщение об ошибке при некорректном вводе.</a:t>
+            </a:r>
+          </a:p>
+          <a:p>
+            <a:pPr marL="384048" lvl="0" indent="-384048" defTabSz="914400">
+              <a:lnSpc>
+                <a:spcPct val="94000"/>
+              </a:lnSpc>
+              <a:spcBef>
+                <a:spcPts val="1000"/>
+              </a:spcBef>
+              <a:spcAft>
+                <a:spcPts val="200"/>
+              </a:spcAft>
+              <a:buFont typeface="Franklin Gothic Book" panose="020B0503020102020204" pitchFamily="34" charset="0"/>
+              <a:buChar char="■"/>
+            </a:pPr>
+            <a:endParaRPr lang="ru-RU" dirty="0"/>
+          </a:p>
+        </p:txBody>
+      </p:sp>
+      <p:sp>
+        <p:nvSpPr>
+          <p:cNvPr id="5" name="Номер слайда 4"/>
+          <p:cNvSpPr>
+            <a:spLocks noGrp="1"/>
+          </p:cNvSpPr>
+          <p:nvPr>
+            <p:ph type="sldNum" sz="quarter" idx="12"/>
+          </p:nvPr>
+        </p:nvSpPr>
+        <p:spPr/>
+        <p:txBody>
+          <a:bodyPr/>
+          <a:lstStyle/>
+          <a:p>
+            <a:fld id="{69E57DC2-970A-4B3E-BB1C-7A09969E49DF}" type="slidenum">
+              <a:rPr lang="en-US" smtClean="0"/>
+              <a:t>8</a:t>
+            </a:fld>
+            <a:endParaRPr lang="en-US" dirty="0"/>
+          </a:p>
+        </p:txBody>
+      </p:sp>
     </p:spTree>
     <p:extLst>
       <p:ext uri="{BB962C8B-B14F-4D97-AF65-F5344CB8AC3E}">
-        <p14:creationId xmlns:p14="http://schemas.microsoft.com/office/powerpoint/2010/main" val="3853332546"/>
+        <p14:creationId xmlns:p14="http://schemas.microsoft.com/office/powerpoint/2010/main" val="2439157973"/>
       </p:ext>
     </p:extLst>
   </p:cSld>
   <p:clrMapOvr>
     <a:masterClrMapping/>
   </p:clrMapOvr>
+  <p:timing>
+    <p:tnLst>
+      <p:par>
+        <p:cTn id="1" dur="indefinite" restart="never" nodeType="tmRoot"/>
+      </p:par>
+    </p:tnLst>
+  </p:timing>
 </p:sld>
 </file>
 
@@ -5600,8 +6552,8 @@
         </p:nvSpPr>
         <p:spPr>
           <a:xfrm>
-            <a:off x="1371600" y="685800"/>
-            <a:ext cx="3134139" cy="851452"/>
+            <a:off x="1371599" y="685800"/>
+            <a:ext cx="9866243" cy="864704"/>
           </a:xfrm>
         </p:spPr>
         <p:txBody>
@@ -5612,11 +6564,7 @@
           <a:p>
             <a:r>
               <a:rPr lang="ru-RU" dirty="0" smtClean="0"/>
-              <a:t>Блок-схема функции </a:t>
-            </a:r>
-            <a:r>
-              <a:rPr lang="en-US" dirty="0" smtClean="0"/>
-              <a:t>Calculate</a:t>
+              <a:t>Скриншоты пользовательского интерфейса</a:t>
             </a:r>
             <a:endParaRPr lang="ru-RU" dirty="0"/>
           </a:p>
@@ -5626,7 +6574,7 @@
         <p:nvPicPr>
           <p:cNvPr id="4" name="Объект 3"/>
           <p:cNvPicPr>
-            <a:picLocks noGrp="1"/>
+            <a:picLocks noGrp="1" noChangeAspect="1"/>
           </p:cNvPicPr>
           <p:nvPr>
             <p:ph idx="1"/>
@@ -5640,18 +6588,239 @@
         </p:blipFill>
         <p:spPr>
           <a:xfrm>
-            <a:off x="5268954" y="460513"/>
-            <a:ext cx="2430557" cy="6123056"/>
+            <a:off x="1362075" y="2071686"/>
+            <a:ext cx="2924175" cy="3952875"/>
           </a:xfrm>
           <a:prstGeom prst="rect">
             <a:avLst/>
           </a:prstGeom>
         </p:spPr>
       </p:pic>
+      <p:pic>
+        <p:nvPicPr>
+          <p:cNvPr id="5" name="Рисунок 4"/>
+          <p:cNvPicPr>
+            <a:picLocks noChangeAspect="1"/>
+          </p:cNvPicPr>
+          <p:nvPr/>
+        </p:nvPicPr>
+        <p:blipFill>
+          <a:blip r:embed="rId3"/>
+          <a:stretch>
+            <a:fillRect/>
+          </a:stretch>
+        </p:blipFill>
+        <p:spPr>
+          <a:xfrm>
+            <a:off x="4993169" y="2280189"/>
+            <a:ext cx="2914650" cy="1533525"/>
+          </a:xfrm>
+          <a:prstGeom prst="rect">
+            <a:avLst/>
+          </a:prstGeom>
+        </p:spPr>
+      </p:pic>
+      <p:pic>
+        <p:nvPicPr>
+          <p:cNvPr id="6" name="Рисунок 5"/>
+          <p:cNvPicPr>
+            <a:picLocks noChangeAspect="1"/>
+          </p:cNvPicPr>
+          <p:nvPr/>
+        </p:nvPicPr>
+        <p:blipFill>
+          <a:blip r:embed="rId4"/>
+          <a:stretch>
+            <a:fillRect/>
+          </a:stretch>
+        </p:blipFill>
+        <p:spPr>
+          <a:xfrm>
+            <a:off x="4993169" y="4212740"/>
+            <a:ext cx="2905125" cy="1533525"/>
+          </a:xfrm>
+          <a:prstGeom prst="rect">
+            <a:avLst/>
+          </a:prstGeom>
+        </p:spPr>
+      </p:pic>
+      <p:pic>
+        <p:nvPicPr>
+          <p:cNvPr id="8" name="Рисунок 7"/>
+          <p:cNvPicPr>
+            <a:picLocks noChangeAspect="1"/>
+          </p:cNvPicPr>
+          <p:nvPr/>
+        </p:nvPicPr>
+        <p:blipFill>
+          <a:blip r:embed="rId5"/>
+          <a:stretch>
+            <a:fillRect/>
+          </a:stretch>
+        </p:blipFill>
+        <p:spPr>
+          <a:xfrm>
+            <a:off x="8614738" y="2289714"/>
+            <a:ext cx="2895600" cy="1524000"/>
+          </a:xfrm>
+          <a:prstGeom prst="rect">
+            <a:avLst/>
+          </a:prstGeom>
+        </p:spPr>
+      </p:pic>
+      <p:pic>
+        <p:nvPicPr>
+          <p:cNvPr id="9" name="Рисунок 8"/>
+          <p:cNvPicPr>
+            <a:picLocks noChangeAspect="1"/>
+          </p:cNvPicPr>
+          <p:nvPr/>
+        </p:nvPicPr>
+        <p:blipFill>
+          <a:blip r:embed="rId6"/>
+          <a:stretch>
+            <a:fillRect/>
+          </a:stretch>
+        </p:blipFill>
+        <p:spPr>
+          <a:xfrm>
+            <a:off x="8605213" y="4222265"/>
+            <a:ext cx="2895600" cy="1524000"/>
+          </a:xfrm>
+          <a:prstGeom prst="rect">
+            <a:avLst/>
+          </a:prstGeom>
+        </p:spPr>
+      </p:pic>
+      <p:sp>
+        <p:nvSpPr>
+          <p:cNvPr id="10" name="TextBox 9"/>
+          <p:cNvSpPr txBox="1"/>
+          <p:nvPr/>
+        </p:nvSpPr>
+        <p:spPr>
+          <a:xfrm>
+            <a:off x="1219428" y="1581495"/>
+            <a:ext cx="3209468" cy="369332"/>
+          </a:xfrm>
+          <a:prstGeom prst="rect">
+            <a:avLst/>
+          </a:prstGeom>
+          <a:noFill/>
+        </p:spPr>
+        <p:txBody>
+          <a:bodyPr wrap="none" rtlCol="0">
+            <a:spAutoFit/>
+          </a:bodyPr>
+          <a:lstStyle/>
+          <a:p>
+            <a:r>
+              <a:rPr lang="ru-RU" dirty="0" smtClean="0"/>
+              <a:t>Окно приложения при запуске</a:t>
+            </a:r>
+            <a:endParaRPr lang="ru-RU" dirty="0"/>
+          </a:p>
+        </p:txBody>
+      </p:sp>
+      <p:sp>
+        <p:nvSpPr>
+          <p:cNvPr id="11" name="TextBox 10"/>
+          <p:cNvSpPr txBox="1"/>
+          <p:nvPr/>
+        </p:nvSpPr>
+        <p:spPr>
+          <a:xfrm>
+            <a:off x="4993169" y="1581495"/>
+            <a:ext cx="3024033" cy="646331"/>
+          </a:xfrm>
+          <a:prstGeom prst="rect">
+            <a:avLst/>
+          </a:prstGeom>
+          <a:noFill/>
+        </p:spPr>
+        <p:txBody>
+          <a:bodyPr wrap="none" rtlCol="0">
+            <a:spAutoFit/>
+          </a:bodyPr>
+          <a:lstStyle/>
+          <a:p>
+            <a:r>
+              <a:rPr lang="ru-RU" dirty="0" smtClean="0"/>
+              <a:t>Пример вычисления в </a:t>
+            </a:r>
+          </a:p>
+          <a:p>
+            <a:r>
+              <a:rPr lang="ru-RU" dirty="0" smtClean="0"/>
+              <a:t>режиме работы с градусами</a:t>
+            </a:r>
+            <a:endParaRPr lang="ru-RU" dirty="0"/>
+          </a:p>
+        </p:txBody>
+      </p:sp>
+      <p:sp>
+        <p:nvSpPr>
+          <p:cNvPr id="12" name="TextBox 11"/>
+          <p:cNvSpPr txBox="1"/>
+          <p:nvPr/>
+        </p:nvSpPr>
+        <p:spPr>
+          <a:xfrm>
+            <a:off x="8581475" y="1576363"/>
+            <a:ext cx="3107261" cy="646331"/>
+          </a:xfrm>
+          <a:prstGeom prst="rect">
+            <a:avLst/>
+          </a:prstGeom>
+          <a:noFill/>
+        </p:spPr>
+        <p:txBody>
+          <a:bodyPr wrap="none" rtlCol="0">
+            <a:spAutoFit/>
+          </a:bodyPr>
+          <a:lstStyle/>
+          <a:p>
+            <a:r>
+              <a:rPr lang="ru-RU" dirty="0" smtClean="0"/>
+              <a:t>Пример вычисления в </a:t>
+            </a:r>
+          </a:p>
+          <a:p>
+            <a:r>
+              <a:rPr lang="ru-RU" dirty="0" smtClean="0"/>
+              <a:t>режиме работы с радианами</a:t>
+            </a:r>
+            <a:endParaRPr lang="ru-RU" dirty="0"/>
+          </a:p>
+        </p:txBody>
+      </p:sp>
+      <p:sp>
+        <p:nvSpPr>
+          <p:cNvPr id="3" name="Номер слайда 2"/>
+          <p:cNvSpPr>
+            <a:spLocks noGrp="1"/>
+          </p:cNvSpPr>
+          <p:nvPr>
+            <p:ph type="sldNum" sz="quarter" idx="12"/>
+          </p:nvPr>
+        </p:nvSpPr>
+        <p:spPr/>
+        <p:txBody>
+          <a:bodyPr/>
+          <a:lstStyle/>
+          <a:p>
+            <a:fld id="{69E57DC2-970A-4B3E-BB1C-7A09969E49DF}" type="slidenum">
+              <a:rPr lang="en-US" smtClean="0"/>
+              <a:t>9</a:t>
+            </a:fld>
+            <a:endParaRPr lang="en-US" dirty="0"/>
+          </a:p>
+        </p:txBody>
+      </p:sp>
     </p:spTree>
     <p:extLst>
       <p:ext uri="{BB962C8B-B14F-4D97-AF65-F5344CB8AC3E}">
-        <p14:creationId xmlns:p14="http://schemas.microsoft.com/office/powerpoint/2010/main" val="3011802824"/>
+        <p14:creationId xmlns:p14="http://schemas.microsoft.com/office/powerpoint/2010/main" val="380583953"/>
       </p:ext>
     </p:extLst>
   </p:cSld>
@@ -5917,4 +7086,265 @@
     </a:ext>
   </a:extLst>
 </a:theme>
+</file>
+
+<file path=ppt/theme/theme2.xml><?xml version="1.0" encoding="utf-8"?>
+<a:theme xmlns:a="http://schemas.openxmlformats.org/drawingml/2006/main" name="Тема Office">
+  <a:themeElements>
+    <a:clrScheme name="Стандартная">
+      <a:dk1>
+        <a:sysClr val="windowText" lastClr="000000"/>
+      </a:dk1>
+      <a:lt1>
+        <a:sysClr val="window" lastClr="FFFFFF"/>
+      </a:lt1>
+      <a:dk2>
+        <a:srgbClr val="44546A"/>
+      </a:dk2>
+      <a:lt2>
+        <a:srgbClr val="E7E6E6"/>
+      </a:lt2>
+      <a:accent1>
+        <a:srgbClr val="5B9BD5"/>
+      </a:accent1>
+      <a:accent2>
+        <a:srgbClr val="ED7D31"/>
+      </a:accent2>
+      <a:accent3>
+        <a:srgbClr val="A5A5A5"/>
+      </a:accent3>
+      <a:accent4>
+        <a:srgbClr val="FFC000"/>
+      </a:accent4>
+      <a:accent5>
+        <a:srgbClr val="4472C4"/>
+      </a:accent5>
+      <a:accent6>
+        <a:srgbClr val="70AD47"/>
+      </a:accent6>
+      <a:hlink>
+        <a:srgbClr val="0563C1"/>
+      </a:hlink>
+      <a:folHlink>
+        <a:srgbClr val="954F72"/>
+      </a:folHlink>
+    </a:clrScheme>
+    <a:fontScheme name="Стандартная">
+      <a:majorFont>
+        <a:latin typeface="Calibri Light" panose="020F0302020204030204"/>
+        <a:ea typeface=""/>
+        <a:cs typeface=""/>
+        <a:font script="Jpan" typeface="ＭＳ Ｐゴシック"/>
+        <a:font script="Hang" typeface="맑은 고딕"/>
+        <a:font script="Hans" typeface="宋体"/>
+        <a:font script="Hant" typeface="新細明體"/>
+        <a:font script="Arab" typeface="Times New Roman"/>
+        <a:font script="Hebr" typeface="Times New Roman"/>
+        <a:font script="Thai" typeface="Angsana New"/>
+        <a:font script="Ethi" typeface="Nyala"/>
+        <a:font script="Beng" typeface="Vrinda"/>
+        <a:font script="Gujr" typeface="Shruti"/>
+        <a:font script="Khmr" typeface="MoolBoran"/>
+        <a:font script="Knda" typeface="Tunga"/>
+        <a:font script="Guru" typeface="Raavi"/>
+        <a:font script="Cans" typeface="Euphemia"/>
+        <a:font script="Cher" typeface="Plantagenet Cherokee"/>
+        <a:font script="Yiii" typeface="Microsoft Yi Baiti"/>
+        <a:font script="Tibt" typeface="Microsoft Himalaya"/>
+        <a:font script="Thaa" typeface="MV Boli"/>
+        <a:font script="Deva" typeface="Mangal"/>
+        <a:font script="Telu" typeface="Gautami"/>
+        <a:font script="Taml" typeface="Latha"/>
+        <a:font script="Syrc" typeface="Estrangelo Edessa"/>
+        <a:font script="Orya" typeface="Kalinga"/>
+        <a:font script="Mlym" typeface="Kartika"/>
+        <a:font script="Laoo" typeface="DokChampa"/>
+        <a:font script="Sinh" typeface="Iskoola Pota"/>
+        <a:font script="Mong" typeface="Mongolian Baiti"/>
+        <a:font script="Viet" typeface="Times New Roman"/>
+        <a:font script="Uigh" typeface="Microsoft Uighur"/>
+        <a:font script="Geor" typeface="Sylfaen"/>
+      </a:majorFont>
+      <a:minorFont>
+        <a:latin typeface="Calibri" panose="020F0502020204030204"/>
+        <a:ea typeface=""/>
+        <a:cs typeface=""/>
+        <a:font script="Jpan" typeface="ＭＳ Ｐゴシック"/>
+        <a:font script="Hang" typeface="맑은 고딕"/>
+        <a:font script="Hans" typeface="宋体"/>
+        <a:font script="Hant" typeface="新細明體"/>
+        <a:font script="Arab" typeface="Arial"/>
+        <a:font script="Hebr" typeface="Arial"/>
+        <a:font script="Thai" typeface="Cordia New"/>
+        <a:font script="Ethi" typeface="Nyala"/>
+        <a:font script="Beng" typeface="Vrinda"/>
+        <a:font script="Gujr" typeface="Shruti"/>
+        <a:font script="Khmr" typeface="DaunPenh"/>
+        <a:font script="Knda" typeface="Tunga"/>
+        <a:font script="Guru" typeface="Raavi"/>
+        <a:font script="Cans" typeface="Euphemia"/>
+        <a:font script="Cher" typeface="Plantagenet Cherokee"/>
+        <a:font script="Yiii" typeface="Microsoft Yi Baiti"/>
+        <a:font script="Tibt" typeface="Microsoft Himalaya"/>
+        <a:font script="Thaa" typeface="MV Boli"/>
+        <a:font script="Deva" typeface="Mangal"/>
+        <a:font script="Telu" typeface="Gautami"/>
+        <a:font script="Taml" typeface="Latha"/>
+        <a:font script="Syrc" typeface="Estrangelo Edessa"/>
+        <a:font script="Orya" typeface="Kalinga"/>
+        <a:font script="Mlym" typeface="Kartika"/>
+        <a:font script="Laoo" typeface="DokChampa"/>
+        <a:font script="Sinh" typeface="Iskoola Pota"/>
+        <a:font script="Mong" typeface="Mongolian Baiti"/>
+        <a:font script="Viet" typeface="Arial"/>
+        <a:font script="Uigh" typeface="Microsoft Uighur"/>
+        <a:font script="Geor" typeface="Sylfaen"/>
+      </a:minorFont>
+    </a:fontScheme>
+    <a:fmtScheme name="Стандартная">
+      <a:fillStyleLst>
+        <a:solidFill>
+          <a:schemeClr val="phClr"/>
+        </a:solidFill>
+        <a:gradFill rotWithShape="1">
+          <a:gsLst>
+            <a:gs pos="0">
+              <a:schemeClr val="phClr">
+                <a:lumMod val="110000"/>
+                <a:satMod val="105000"/>
+                <a:tint val="67000"/>
+              </a:schemeClr>
+            </a:gs>
+            <a:gs pos="50000">
+              <a:schemeClr val="phClr">
+                <a:lumMod val="105000"/>
+                <a:satMod val="103000"/>
+                <a:tint val="73000"/>
+              </a:schemeClr>
+            </a:gs>
+            <a:gs pos="100000">
+              <a:schemeClr val="phClr">
+                <a:lumMod val="105000"/>
+                <a:satMod val="109000"/>
+                <a:tint val="81000"/>
+              </a:schemeClr>
+            </a:gs>
+          </a:gsLst>
+          <a:lin ang="5400000" scaled="0"/>
+        </a:gradFill>
+        <a:gradFill rotWithShape="1">
+          <a:gsLst>
+            <a:gs pos="0">
+              <a:schemeClr val="phClr">
+                <a:satMod val="103000"/>
+                <a:lumMod val="102000"/>
+                <a:tint val="94000"/>
+              </a:schemeClr>
+            </a:gs>
+            <a:gs pos="50000">
+              <a:schemeClr val="phClr">
+                <a:satMod val="110000"/>
+                <a:lumMod val="100000"/>
+                <a:shade val="100000"/>
+              </a:schemeClr>
+            </a:gs>
+            <a:gs pos="100000">
+              <a:schemeClr val="phClr">
+                <a:lumMod val="99000"/>
+                <a:satMod val="120000"/>
+                <a:shade val="78000"/>
+              </a:schemeClr>
+            </a:gs>
+          </a:gsLst>
+          <a:lin ang="5400000" scaled="0"/>
+        </a:gradFill>
+      </a:fillStyleLst>
+      <a:lnStyleLst>
+        <a:ln w="6350" cap="flat" cmpd="sng" algn="ctr">
+          <a:solidFill>
+            <a:schemeClr val="phClr"/>
+          </a:solidFill>
+          <a:prstDash val="solid"/>
+          <a:miter lim="800000"/>
+        </a:ln>
+        <a:ln w="12700" cap="flat" cmpd="sng" algn="ctr">
+          <a:solidFill>
+            <a:schemeClr val="phClr"/>
+          </a:solidFill>
+          <a:prstDash val="solid"/>
+          <a:miter lim="800000"/>
+        </a:ln>
+        <a:ln w="19050" cap="flat" cmpd="sng" algn="ctr">
+          <a:solidFill>
+            <a:schemeClr val="phClr"/>
+          </a:solidFill>
+          <a:prstDash val="solid"/>
+          <a:miter lim="800000"/>
+        </a:ln>
+      </a:lnStyleLst>
+      <a:effectStyleLst>
+        <a:effectStyle>
+          <a:effectLst/>
+        </a:effectStyle>
+        <a:effectStyle>
+          <a:effectLst/>
+        </a:effectStyle>
+        <a:effectStyle>
+          <a:effectLst>
+            <a:outerShdw blurRad="57150" dist="19050" dir="5400000" algn="ctr" rotWithShape="0">
+              <a:srgbClr val="000000">
+                <a:alpha val="63000"/>
+              </a:srgbClr>
+            </a:outerShdw>
+          </a:effectLst>
+        </a:effectStyle>
+      </a:effectStyleLst>
+      <a:bgFillStyleLst>
+        <a:solidFill>
+          <a:schemeClr val="phClr"/>
+        </a:solidFill>
+        <a:solidFill>
+          <a:schemeClr val="phClr">
+            <a:tint val="95000"/>
+            <a:satMod val="170000"/>
+          </a:schemeClr>
+        </a:solidFill>
+        <a:gradFill rotWithShape="1">
+          <a:gsLst>
+            <a:gs pos="0">
+              <a:schemeClr val="phClr">
+                <a:tint val="93000"/>
+                <a:satMod val="150000"/>
+                <a:shade val="98000"/>
+                <a:lumMod val="102000"/>
+              </a:schemeClr>
+            </a:gs>
+            <a:gs pos="50000">
+              <a:schemeClr val="phClr">
+                <a:tint val="98000"/>
+                <a:satMod val="130000"/>
+                <a:shade val="90000"/>
+                <a:lumMod val="103000"/>
+              </a:schemeClr>
+            </a:gs>
+            <a:gs pos="100000">
+              <a:schemeClr val="phClr">
+                <a:shade val="63000"/>
+                <a:satMod val="120000"/>
+              </a:schemeClr>
+            </a:gs>
+          </a:gsLst>
+          <a:lin ang="5400000" scaled="0"/>
+        </a:gradFill>
+      </a:bgFillStyleLst>
+    </a:fmtScheme>
+  </a:themeElements>
+  <a:objectDefaults/>
+  <a:extraClrSchemeLst/>
+  <a:extLst>
+    <a:ext uri="{05A4C25C-085E-4340-85A3-A5531E510DB2}">
+      <thm15:themeFamily xmlns:thm15="http://schemas.microsoft.com/office/thememl/2012/main" name="Office Theme" id="{62F939B6-93AF-4DB8-9C6B-D6C7DFDC589F}" vid="{4A3C46E8-61CC-4603-A589-7422A47A8E4A}"/>
+    </a:ext>
+  </a:extLst>
+</a:theme>
 </file>